--- a/docs/REST API with NODE.pptx
+++ b/docs/REST API with NODE.pptx
@@ -5,41 +5,43 @@
     <p:sldMasterId id="2147483648" r:id="rId1"/>
   </p:sldMasterIdLst>
   <p:notesMasterIdLst>
-    <p:notesMasterId r:id="rId34"/>
+    <p:notesMasterId r:id="rId36"/>
   </p:notesMasterIdLst>
   <p:sldIdLst>
     <p:sldId id="256" r:id="rId2"/>
     <p:sldId id="257" r:id="rId3"/>
-    <p:sldId id="258" r:id="rId4"/>
-    <p:sldId id="259" r:id="rId5"/>
-    <p:sldId id="260" r:id="rId6"/>
-    <p:sldId id="261" r:id="rId7"/>
-    <p:sldId id="262" r:id="rId8"/>
-    <p:sldId id="263" r:id="rId9"/>
-    <p:sldId id="264" r:id="rId10"/>
-    <p:sldId id="265" r:id="rId11"/>
-    <p:sldId id="266" r:id="rId12"/>
-    <p:sldId id="267" r:id="rId13"/>
-    <p:sldId id="268" r:id="rId14"/>
-    <p:sldId id="270" r:id="rId15"/>
-    <p:sldId id="271" r:id="rId16"/>
-    <p:sldId id="272" r:id="rId17"/>
-    <p:sldId id="273" r:id="rId18"/>
-    <p:sldId id="274" r:id="rId19"/>
-    <p:sldId id="275" r:id="rId20"/>
-    <p:sldId id="276" r:id="rId21"/>
-    <p:sldId id="277" r:id="rId22"/>
-    <p:sldId id="278" r:id="rId23"/>
-    <p:sldId id="279" r:id="rId24"/>
-    <p:sldId id="280" r:id="rId25"/>
-    <p:sldId id="281" r:id="rId26"/>
-    <p:sldId id="282" r:id="rId27"/>
-    <p:sldId id="283" r:id="rId28"/>
-    <p:sldId id="284" r:id="rId29"/>
-    <p:sldId id="285" r:id="rId30"/>
-    <p:sldId id="286" r:id="rId31"/>
-    <p:sldId id="287" r:id="rId32"/>
-    <p:sldId id="288" r:id="rId33"/>
+    <p:sldId id="273" r:id="rId4"/>
+    <p:sldId id="272" r:id="rId5"/>
+    <p:sldId id="274" r:id="rId6"/>
+    <p:sldId id="275" r:id="rId7"/>
+    <p:sldId id="276" r:id="rId8"/>
+    <p:sldId id="277" r:id="rId9"/>
+    <p:sldId id="278" r:id="rId10"/>
+    <p:sldId id="279" r:id="rId11"/>
+    <p:sldId id="280" r:id="rId12"/>
+    <p:sldId id="289" r:id="rId13"/>
+    <p:sldId id="290" r:id="rId14"/>
+    <p:sldId id="258" r:id="rId15"/>
+    <p:sldId id="259" r:id="rId16"/>
+    <p:sldId id="260" r:id="rId17"/>
+    <p:sldId id="261" r:id="rId18"/>
+    <p:sldId id="262" r:id="rId19"/>
+    <p:sldId id="263" r:id="rId20"/>
+    <p:sldId id="264" r:id="rId21"/>
+    <p:sldId id="265" r:id="rId22"/>
+    <p:sldId id="266" r:id="rId23"/>
+    <p:sldId id="267" r:id="rId24"/>
+    <p:sldId id="268" r:id="rId25"/>
+    <p:sldId id="270" r:id="rId26"/>
+    <p:sldId id="271" r:id="rId27"/>
+    <p:sldId id="281" r:id="rId28"/>
+    <p:sldId id="282" r:id="rId29"/>
+    <p:sldId id="283" r:id="rId30"/>
+    <p:sldId id="284" r:id="rId31"/>
+    <p:sldId id="285" r:id="rId32"/>
+    <p:sldId id="286" r:id="rId33"/>
+    <p:sldId id="287" r:id="rId34"/>
+    <p:sldId id="288" r:id="rId35"/>
   </p:sldIdLst>
   <p:sldSz cx="24384000" cy="13716000"/>
   <p:notesSz cx="6858000" cy="9144000"/>
@@ -543,6 +545,375 @@
 </p:notesMaster>
 </file>
 
+<file path=ppt/notesSlides/notesSlide1.xml><?xml version="1.0" encoding="utf-8"?>
+<p:notes xmlns:a="http://schemas.openxmlformats.org/drawingml/2006/main" xmlns:r="http://schemas.openxmlformats.org/officeDocument/2006/relationships" xmlns:p="http://schemas.openxmlformats.org/presentationml/2006/main">
+  <p:cSld>
+    <p:spTree>
+      <p:nvGrpSpPr>
+        <p:cNvPr id="1" name=""/>
+        <p:cNvGrpSpPr/>
+        <p:nvPr/>
+      </p:nvGrpSpPr>
+      <p:grpSpPr>
+        <a:xfrm>
+          <a:off x="0" y="0"/>
+          <a:ext cx="0" cy="0"/>
+          <a:chOff x="0" y="0"/>
+          <a:chExt cx="0" cy="0"/>
+        </a:xfrm>
+      </p:grpSpPr>
+      <p:sp>
+        <p:nvSpPr>
+          <p:cNvPr id="2" name="Slide Image Placeholder 1"/>
+          <p:cNvSpPr>
+            <a:spLocks noGrp="1" noRot="1" noChangeAspect="1"/>
+          </p:cNvSpPr>
+          <p:nvPr>
+            <p:ph type="sldImg"/>
+          </p:nvPr>
+        </p:nvSpPr>
+        <p:spPr>
+          <a:xfrm>
+            <a:off x="381000" y="685800"/>
+            <a:ext cx="6096000" cy="3429000"/>
+          </a:xfrm>
+        </p:spPr>
+      </p:sp>
+      <p:sp>
+        <p:nvSpPr>
+          <p:cNvPr id="3" name="Notes Placeholder 2"/>
+          <p:cNvSpPr>
+            <a:spLocks noGrp="1"/>
+          </p:cNvSpPr>
+          <p:nvPr>
+            <p:ph type="body" idx="1"/>
+          </p:nvPr>
+        </p:nvSpPr>
+        <p:spPr/>
+        <p:txBody>
+          <a:bodyPr/>
+          <a:lstStyle/>
+          <a:p>
+            <a:pPr marL="171450" marR="0" indent="-171450" algn="l" defTabSz="2438400" rtl="0" fontAlgn="auto" latinLnBrk="0" hangingPunct="0">
+              <a:lnSpc>
+                <a:spcPct val="100000"/>
+              </a:lnSpc>
+              <a:spcBef>
+                <a:spcPts val="2400"/>
+              </a:spcBef>
+              <a:spcAft>
+                <a:spcPts val="0"/>
+              </a:spcAft>
+              <a:buClrTx/>
+              <a:buSzTx/>
+              <a:buFont typeface="Arial" panose="020B0604020202020204" pitchFamily="34" charset="0"/>
+              <a:buChar char="•"/>
+              <a:tabLst/>
+            </a:pPr>
+            <a:r>
+              <a:rPr lang="th-TH" sz="800" b="0" dirty="0">
+                <a:effectLst/>
+                <a:latin typeface="Tahoma" panose="020B0604030504040204" pitchFamily="34" charset="0"/>
+                <a:ea typeface="Tahoma" panose="020B0604030504040204" pitchFamily="34" charset="0"/>
+                <a:cs typeface="Tahoma" panose="020B0604030504040204" pitchFamily="34" charset="0"/>
+              </a:rPr>
+              <a:t>อ่านและใช้งานได้ง่าย: </a:t>
+            </a:r>
+            <a:r>
+              <a:rPr lang="en-GB" sz="800" b="0" dirty="0">
+                <a:effectLst/>
+                <a:latin typeface="Tahoma" panose="020B0604030504040204" pitchFamily="34" charset="0"/>
+                <a:ea typeface="Tahoma" panose="020B0604030504040204" pitchFamily="34" charset="0"/>
+                <a:cs typeface="Tahoma" panose="020B0604030504040204" pitchFamily="34" charset="0"/>
+              </a:rPr>
+              <a:t>API </a:t>
+            </a:r>
+            <a:r>
+              <a:rPr lang="th-TH" sz="800" b="0" dirty="0">
+                <a:effectLst/>
+                <a:latin typeface="Tahoma" panose="020B0604030504040204" pitchFamily="34" charset="0"/>
+                <a:ea typeface="Tahoma" panose="020B0604030504040204" pitchFamily="34" charset="0"/>
+                <a:cs typeface="Tahoma" panose="020B0604030504040204" pitchFamily="34" charset="0"/>
+              </a:rPr>
+              <a:t>ที่ออกแบบมาอย่างดีจะใช้งานได้ง่าย และนักพัฒนาที่</a:t>
+            </a:r>
+            <a:r>
+              <a:rPr lang="th-TH" sz="800" b="0" dirty="0" err="1">
+                <a:effectLst/>
+                <a:latin typeface="Tahoma" panose="020B0604030504040204" pitchFamily="34" charset="0"/>
+                <a:ea typeface="Tahoma" panose="020B0604030504040204" pitchFamily="34" charset="0"/>
+                <a:cs typeface="Tahoma" panose="020B0604030504040204" pitchFamily="34" charset="0"/>
+              </a:rPr>
+              <a:t>ทํา</a:t>
+            </a:r>
+            <a:r>
+              <a:rPr lang="th-TH" sz="800" b="0" dirty="0">
+                <a:effectLst/>
+                <a:latin typeface="Tahoma" panose="020B0604030504040204" pitchFamily="34" charset="0"/>
+                <a:ea typeface="Tahoma" panose="020B0604030504040204" pitchFamily="34" charset="0"/>
+                <a:cs typeface="Tahoma" panose="020B0604030504040204" pitchFamily="34" charset="0"/>
+              </a:rPr>
+              <a:t>งานกับมันอย่างต่อเนื่องสามารถจด</a:t>
+            </a:r>
+            <a:r>
+              <a:rPr lang="th-TH" sz="800" b="0" dirty="0" err="1">
+                <a:effectLst/>
+                <a:latin typeface="Tahoma" panose="020B0604030504040204" pitchFamily="34" charset="0"/>
+                <a:ea typeface="Tahoma" panose="020B0604030504040204" pitchFamily="34" charset="0"/>
+                <a:cs typeface="Tahoma" panose="020B0604030504040204" pitchFamily="34" charset="0"/>
+              </a:rPr>
+              <a:t>จํา</a:t>
+            </a:r>
+            <a:r>
+              <a:rPr lang="th-TH" sz="800" b="0" dirty="0">
+                <a:effectLst/>
+                <a:latin typeface="Tahoma" panose="020B0604030504040204" pitchFamily="34" charset="0"/>
+                <a:ea typeface="Tahoma" panose="020B0604030504040204" pitchFamily="34" charset="0"/>
+                <a:cs typeface="Tahoma" panose="020B0604030504040204" pitchFamily="34" charset="0"/>
+              </a:rPr>
+              <a:t>ทรัพยากรและการด</a:t>
+            </a:r>
+            <a:r>
+              <a:rPr lang="th-TH" sz="800" b="0" dirty="0" err="1">
+                <a:effectLst/>
+                <a:latin typeface="Tahoma" panose="020B0604030504040204" pitchFamily="34" charset="0"/>
+                <a:ea typeface="Tahoma" panose="020B0604030504040204" pitchFamily="34" charset="0"/>
+                <a:cs typeface="Tahoma" panose="020B0604030504040204" pitchFamily="34" charset="0"/>
+              </a:rPr>
+              <a:t>ํา</a:t>
+            </a:r>
+            <a:r>
+              <a:rPr lang="th-TH" sz="800" b="0" dirty="0">
+                <a:effectLst/>
+                <a:latin typeface="Tahoma" panose="020B0604030504040204" pitchFamily="34" charset="0"/>
+                <a:ea typeface="Tahoma" panose="020B0604030504040204" pitchFamily="34" charset="0"/>
+                <a:cs typeface="Tahoma" panose="020B0604030504040204" pitchFamily="34" charset="0"/>
+              </a:rPr>
+              <a:t>เนินงานที่เกี่ยวข้องได้อย่างรวดเร็ว</a:t>
+            </a:r>
+            <a:endParaRPr lang="en-US" sz="800" b="0" dirty="0">
+              <a:effectLst/>
+              <a:latin typeface="Tahoma" panose="020B0604030504040204" pitchFamily="34" charset="0"/>
+              <a:ea typeface="Tahoma" panose="020B0604030504040204" pitchFamily="34" charset="0"/>
+              <a:cs typeface="Tahoma" panose="020B0604030504040204" pitchFamily="34" charset="0"/>
+            </a:endParaRPr>
+          </a:p>
+          <a:p>
+            <a:pPr marL="171450" marR="0" indent="-171450" algn="l" defTabSz="2438400" rtl="0" fontAlgn="auto" latinLnBrk="0" hangingPunct="0">
+              <a:lnSpc>
+                <a:spcPct val="100000"/>
+              </a:lnSpc>
+              <a:spcBef>
+                <a:spcPts val="2400"/>
+              </a:spcBef>
+              <a:spcAft>
+                <a:spcPts val="0"/>
+              </a:spcAft>
+              <a:buClrTx/>
+              <a:buSzTx/>
+              <a:buFont typeface="Arial" panose="020B0604020202020204" pitchFamily="34" charset="0"/>
+              <a:buChar char="•"/>
+              <a:tabLst/>
+            </a:pPr>
+            <a:r>
+              <a:rPr lang="th-TH" sz="800" b="0" dirty="0">
+                <a:effectLst/>
+                <a:latin typeface="Tahoma" panose="020B0604030504040204" pitchFamily="34" charset="0"/>
+                <a:ea typeface="Tahoma" panose="020B0604030504040204" pitchFamily="34" charset="0"/>
+                <a:cs typeface="Tahoma" panose="020B0604030504040204" pitchFamily="34" charset="0"/>
+              </a:rPr>
+              <a:t>ยากที่จะใช้ในทางที่ผิด: การใช้งานและการผสานรวมกับ </a:t>
+            </a:r>
+            <a:r>
+              <a:rPr lang="en-GB" sz="800" b="0" dirty="0">
+                <a:effectLst/>
+                <a:latin typeface="Tahoma" panose="020B0604030504040204" pitchFamily="34" charset="0"/>
+                <a:ea typeface="Tahoma" panose="020B0604030504040204" pitchFamily="34" charset="0"/>
+                <a:cs typeface="Tahoma" panose="020B0604030504040204" pitchFamily="34" charset="0"/>
+              </a:rPr>
+              <a:t>API </a:t>
+            </a:r>
+            <a:r>
+              <a:rPr lang="th-TH" sz="800" b="0" dirty="0">
+                <a:effectLst/>
+                <a:latin typeface="Tahoma" panose="020B0604030504040204" pitchFamily="34" charset="0"/>
+                <a:ea typeface="Tahoma" panose="020B0604030504040204" pitchFamily="34" charset="0"/>
+                <a:cs typeface="Tahoma" panose="020B0604030504040204" pitchFamily="34" charset="0"/>
+              </a:rPr>
+              <a:t>ที่มีการออกแบบที่ดีจะเป็นกระบวนการที่ตรงไปตรงมา และการเขียนโค้ดที่ไม่ถูกต้องจะเป็นผลลัพธ์ที่มีโอกาสน้อย มีข้อเสนอแนะที่ให้ข้อมูล และไม่บังคับใช้แนวทางที่เข้มงวดเกี่ยวกับผู้บริโภคปลายทางของ </a:t>
+            </a:r>
+            <a:endParaRPr lang="en-US" sz="800" b="0" dirty="0">
+              <a:effectLst/>
+              <a:latin typeface="Tahoma" panose="020B0604030504040204" pitchFamily="34" charset="0"/>
+              <a:ea typeface="Tahoma" panose="020B0604030504040204" pitchFamily="34" charset="0"/>
+              <a:cs typeface="Tahoma" panose="020B0604030504040204" pitchFamily="34" charset="0"/>
+            </a:endParaRPr>
+          </a:p>
+          <a:p>
+            <a:pPr marL="171450" marR="0" indent="-171450" algn="l" defTabSz="2438400" rtl="0" fontAlgn="auto" latinLnBrk="0" hangingPunct="0">
+              <a:lnSpc>
+                <a:spcPct val="100000"/>
+              </a:lnSpc>
+              <a:spcBef>
+                <a:spcPts val="2400"/>
+              </a:spcBef>
+              <a:spcAft>
+                <a:spcPts val="0"/>
+              </a:spcAft>
+              <a:buClrTx/>
+              <a:buSzTx/>
+              <a:buFont typeface="Arial" panose="020B0604020202020204" pitchFamily="34" charset="0"/>
+              <a:buChar char="•"/>
+              <a:tabLst/>
+            </a:pPr>
+            <a:r>
+              <a:rPr lang="en-GB" sz="800" b="0" dirty="0">
+                <a:effectLst/>
+                <a:latin typeface="Tahoma" panose="020B0604030504040204" pitchFamily="34" charset="0"/>
+                <a:ea typeface="Tahoma" panose="020B0604030504040204" pitchFamily="34" charset="0"/>
+                <a:cs typeface="Tahoma" panose="020B0604030504040204" pitchFamily="34" charset="0"/>
+              </a:rPr>
+              <a:t>API</a:t>
+            </a:r>
+            <a:r>
+              <a:rPr lang="th-TH" sz="800" b="0" dirty="0">
+                <a:effectLst/>
+                <a:latin typeface="Tahoma" panose="020B0604030504040204" pitchFamily="34" charset="0"/>
+                <a:ea typeface="Tahoma" panose="020B0604030504040204" pitchFamily="34" charset="0"/>
+                <a:cs typeface="Tahoma" panose="020B0604030504040204" pitchFamily="34" charset="0"/>
+              </a:rPr>
+              <a:t>สมบูรณ์และกระชับ: สุดท้าย </a:t>
+            </a:r>
+            <a:r>
+              <a:rPr lang="en-GB" sz="800" b="0" dirty="0">
+                <a:effectLst/>
+                <a:latin typeface="Tahoma" panose="020B0604030504040204" pitchFamily="34" charset="0"/>
+                <a:ea typeface="Tahoma" panose="020B0604030504040204" pitchFamily="34" charset="0"/>
+                <a:cs typeface="Tahoma" panose="020B0604030504040204" pitchFamily="34" charset="0"/>
+              </a:rPr>
+              <a:t>API </a:t>
+            </a:r>
+            <a:r>
+              <a:rPr lang="th-TH" sz="800" b="0" dirty="0">
+                <a:effectLst/>
+                <a:latin typeface="Tahoma" panose="020B0604030504040204" pitchFamily="34" charset="0"/>
+                <a:ea typeface="Tahoma" panose="020B0604030504040204" pitchFamily="34" charset="0"/>
+                <a:cs typeface="Tahoma" panose="020B0604030504040204" pitchFamily="34" charset="0"/>
+              </a:rPr>
+              <a:t>ที่สมบูรณ์จะ</a:t>
+            </a:r>
+            <a:r>
+              <a:rPr lang="th-TH" sz="800" b="0" dirty="0" err="1">
+                <a:effectLst/>
+                <a:latin typeface="Tahoma" panose="020B0604030504040204" pitchFamily="34" charset="0"/>
+                <a:ea typeface="Tahoma" panose="020B0604030504040204" pitchFamily="34" charset="0"/>
+                <a:cs typeface="Tahoma" panose="020B0604030504040204" pitchFamily="34" charset="0"/>
+              </a:rPr>
+              <a:t>ทําให้</a:t>
+            </a:r>
+            <a:r>
+              <a:rPr lang="th-TH" sz="800" b="0" dirty="0">
+                <a:effectLst/>
+                <a:latin typeface="Tahoma" panose="020B0604030504040204" pitchFamily="34" charset="0"/>
+                <a:ea typeface="Tahoma" panose="020B0604030504040204" pitchFamily="34" charset="0"/>
+                <a:cs typeface="Tahoma" panose="020B0604030504040204" pitchFamily="34" charset="0"/>
+              </a:rPr>
+              <a:t>นักพัฒนาสามารถสร้างแอ</a:t>
+            </a:r>
+            <a:r>
+              <a:rPr lang="th-TH" sz="800" b="0" dirty="0" err="1">
+                <a:effectLst/>
+                <a:latin typeface="Tahoma" panose="020B0604030504040204" pitchFamily="34" charset="0"/>
+                <a:ea typeface="Tahoma" panose="020B0604030504040204" pitchFamily="34" charset="0"/>
+                <a:cs typeface="Tahoma" panose="020B0604030504040204" pitchFamily="34" charset="0"/>
+              </a:rPr>
+              <a:t>ป</a:t>
+            </a:r>
+            <a:r>
+              <a:rPr lang="th-TH" sz="800" b="0" dirty="0">
+                <a:effectLst/>
+                <a:latin typeface="Tahoma" panose="020B0604030504040204" pitchFamily="34" charset="0"/>
+                <a:ea typeface="Tahoma" panose="020B0604030504040204" pitchFamily="34" charset="0"/>
+                <a:cs typeface="Tahoma" panose="020B0604030504040204" pitchFamily="34" charset="0"/>
+              </a:rPr>
+              <a:t>พลิเคชันที่เต็มเปี่ยมกับข้อมูลที่คุณเปิดเผยได้ ความสมบูรณ์มักเกิดขึ้นเมื่อเวลาผ่านไป และนักออกแบบและนักพัฒนา </a:t>
+            </a:r>
+            <a:r>
+              <a:rPr lang="en-GB" sz="800" b="0" dirty="0">
+                <a:effectLst/>
+                <a:latin typeface="Tahoma" panose="020B0604030504040204" pitchFamily="34" charset="0"/>
+                <a:ea typeface="Tahoma" panose="020B0604030504040204" pitchFamily="34" charset="0"/>
+                <a:cs typeface="Tahoma" panose="020B0604030504040204" pitchFamily="34" charset="0"/>
+              </a:rPr>
+              <a:t>API </a:t>
+            </a:r>
+            <a:r>
+              <a:rPr lang="th-TH" sz="800" b="0" dirty="0">
+                <a:effectLst/>
+                <a:latin typeface="Tahoma" panose="020B0604030504040204" pitchFamily="34" charset="0"/>
+                <a:ea typeface="Tahoma" panose="020B0604030504040204" pitchFamily="34" charset="0"/>
+                <a:cs typeface="Tahoma" panose="020B0604030504040204" pitchFamily="34" charset="0"/>
+              </a:rPr>
+              <a:t>ส่วนใหญ่สร้างจาก </a:t>
+            </a:r>
+            <a:r>
+              <a:rPr lang="en-GB" sz="800" b="0" dirty="0">
+                <a:effectLst/>
+                <a:latin typeface="Tahoma" panose="020B0604030504040204" pitchFamily="34" charset="0"/>
+                <a:ea typeface="Tahoma" panose="020B0604030504040204" pitchFamily="34" charset="0"/>
+                <a:cs typeface="Tahoma" panose="020B0604030504040204" pitchFamily="34" charset="0"/>
+              </a:rPr>
+              <a:t>API </a:t>
+            </a:r>
+            <a:r>
+              <a:rPr lang="th-TH" sz="800" b="0" dirty="0">
+                <a:effectLst/>
+                <a:latin typeface="Tahoma" panose="020B0604030504040204" pitchFamily="34" charset="0"/>
+                <a:ea typeface="Tahoma" panose="020B0604030504040204" pitchFamily="34" charset="0"/>
+                <a:cs typeface="Tahoma" panose="020B0604030504040204" pitchFamily="34" charset="0"/>
+              </a:rPr>
+              <a:t>ที่มีอยู่ทีละน้อย เป็นอุดมคติที่วิศวกรหรือบริษัทที่มี </a:t>
+            </a:r>
+            <a:r>
+              <a:rPr lang="en-GB" sz="800" b="0" dirty="0">
+                <a:effectLst/>
+                <a:latin typeface="Tahoma" panose="020B0604030504040204" pitchFamily="34" charset="0"/>
+                <a:ea typeface="Tahoma" panose="020B0604030504040204" pitchFamily="34" charset="0"/>
+                <a:cs typeface="Tahoma" panose="020B0604030504040204" pitchFamily="34" charset="0"/>
+              </a:rPr>
+              <a:t>API </a:t>
+            </a:r>
+            <a:r>
+              <a:rPr lang="th-TH" sz="800" b="0" dirty="0">
+                <a:effectLst/>
+                <a:latin typeface="Tahoma" panose="020B0604030504040204" pitchFamily="34" charset="0"/>
+                <a:ea typeface="Tahoma" panose="020B0604030504040204" pitchFamily="34" charset="0"/>
+                <a:cs typeface="Tahoma" panose="020B0604030504040204" pitchFamily="34" charset="0"/>
+              </a:rPr>
+              <a:t>ทุกคนต้องมุ่งมั่น</a:t>
+            </a:r>
+            <a:endParaRPr lang="en-US" sz="800" b="0" dirty="0">
+              <a:effectLst/>
+              <a:latin typeface="Tahoma" panose="020B0604030504040204" pitchFamily="34" charset="0"/>
+              <a:ea typeface="Tahoma" panose="020B0604030504040204" pitchFamily="34" charset="0"/>
+              <a:cs typeface="Tahoma" panose="020B0604030504040204" pitchFamily="34" charset="0"/>
+            </a:endParaRPr>
+          </a:p>
+        </p:txBody>
+      </p:sp>
+    </p:spTree>
+    <p:extLst>
+      <p:ext uri="{BB962C8B-B14F-4D97-AF65-F5344CB8AC3E}">
+        <p14:creationId xmlns:p14="http://schemas.microsoft.com/office/powerpoint/2010/main" val="3203440146"/>
+      </p:ext>
+    </p:extLst>
+  </p:cSld>
+  <p:clrMapOvr>
+    <a:masterClrMapping/>
+  </p:clrMapOvr>
+</p:notes>
+</file>
+
 <file path=ppt/slideLayouts/slideLayout1.xml><?xml version="1.0" encoding="utf-8"?>
 <p:sldLayout xmlns:a="http://schemas.openxmlformats.org/drawingml/2006/main" xmlns:r="http://schemas.openxmlformats.org/officeDocument/2006/relationships" xmlns:p="http://schemas.openxmlformats.org/presentationml/2006/main" type="title">
   <p:cSld name="Title">
@@ -823,130 +1194,6 @@
 
 <file path=ppt/slideLayouts/slideLayout10.xml><?xml version="1.0" encoding="utf-8"?>
 <p:sldLayout xmlns:a="http://schemas.openxmlformats.org/drawingml/2006/main" xmlns:r="http://schemas.openxmlformats.org/officeDocument/2006/relationships" xmlns:p="http://schemas.openxmlformats.org/presentationml/2006/main" type="tx">
-  <p:cSld name="Title Only">
-    <p:spTree>
-      <p:nvGrpSpPr>
-        <p:cNvPr id="1" name=""/>
-        <p:cNvGrpSpPr/>
-        <p:nvPr/>
-      </p:nvGrpSpPr>
-      <p:grpSpPr>
-        <a:xfrm>
-          <a:off x="0" y="0"/>
-          <a:ext cx="0" cy="0"/>
-          <a:chOff x="0" y="0"/>
-          <a:chExt cx="0" cy="0"/>
-        </a:xfrm>
-      </p:grpSpPr>
-      <p:sp>
-        <p:nvSpPr>
-          <p:cNvPr id="99" name="Slide Title"/>
-          <p:cNvSpPr txBox="1">
-            <a:spLocks noGrp="1"/>
-          </p:cNvSpPr>
-          <p:nvPr>
-            <p:ph type="title" hasCustomPrompt="1"/>
-          </p:nvPr>
-        </p:nvSpPr>
-        <p:spPr>
-          <a:prstGeom prst="rect">
-            <a:avLst/>
-          </a:prstGeom>
-        </p:spPr>
-        <p:txBody>
-          <a:bodyPr/>
-          <a:lstStyle/>
-          <a:p>
-            <a:r>
-              <a:t>Slide Title</a:t>
-            </a:r>
-          </a:p>
-        </p:txBody>
-      </p:sp>
-      <p:sp>
-        <p:nvSpPr>
-          <p:cNvPr id="100" name="Slide Subtitle"/>
-          <p:cNvSpPr txBox="1">
-            <a:spLocks noGrp="1"/>
-          </p:cNvSpPr>
-          <p:nvPr>
-            <p:ph type="body" sz="quarter" idx="21" hasCustomPrompt="1"/>
-          </p:nvPr>
-        </p:nvSpPr>
-        <p:spPr>
-          <a:xfrm>
-            <a:off x="1270000" y="2133600"/>
-            <a:ext cx="21844000" cy="1016000"/>
-          </a:xfrm>
-          <a:prstGeom prst="rect">
-            <a:avLst/>
-          </a:prstGeom>
-        </p:spPr>
-        <p:txBody>
-          <a:bodyPr/>
-          <a:lstStyle>
-            <a:lvl1pPr marL="0" indent="0" algn="ctr" defTabSz="825500">
-              <a:spcBef>
-                <a:spcPts val="0"/>
-              </a:spcBef>
-              <a:buClrTx/>
-              <a:buSzTx/>
-              <a:buNone/>
-              <a:defRPr sz="5400">
-                <a:solidFill>
-                  <a:srgbClr val="D5D5D5"/>
-                </a:solidFill>
-                <a:latin typeface="Graphik-Medium"/>
-                <a:ea typeface="Graphik-Medium"/>
-                <a:cs typeface="Graphik-Medium"/>
-                <a:sym typeface="Graphik Medium"/>
-              </a:defRPr>
-            </a:lvl1pPr>
-          </a:lstStyle>
-          <a:p>
-            <a:r>
-              <a:t>Slide Subtitle</a:t>
-            </a:r>
-          </a:p>
-        </p:txBody>
-      </p:sp>
-      <p:sp>
-        <p:nvSpPr>
-          <p:cNvPr id="101" name="Slide Number"/>
-          <p:cNvSpPr txBox="1">
-            <a:spLocks noGrp="1"/>
-          </p:cNvSpPr>
-          <p:nvPr>
-            <p:ph type="sldNum" sz="quarter" idx="2"/>
-          </p:nvPr>
-        </p:nvSpPr>
-        <p:spPr>
-          <a:prstGeom prst="rect">
-            <a:avLst/>
-          </a:prstGeom>
-        </p:spPr>
-        <p:txBody>
-          <a:bodyPr/>
-          <a:lstStyle/>
-          <a:p>
-            <a:fld id="{86CB4B4D-7CA3-9044-876B-883B54F8677D}" type="slidenum">
-              <a:t>‹#›</a:t>
-            </a:fld>
-            <a:endParaRPr/>
-          </a:p>
-        </p:txBody>
-      </p:sp>
-    </p:spTree>
-  </p:cSld>
-  <p:clrMapOvr>
-    <a:masterClrMapping/>
-  </p:clrMapOvr>
-  <p:transition spd="med"/>
-</p:sldLayout>
-</file>
-
-<file path=ppt/slideLayouts/slideLayout11.xml><?xml version="1.0" encoding="utf-8"?>
-<p:sldLayout xmlns:a="http://schemas.openxmlformats.org/drawingml/2006/main" xmlns:r="http://schemas.openxmlformats.org/officeDocument/2006/relationships" xmlns:p="http://schemas.openxmlformats.org/presentationml/2006/main" type="tx">
   <p:cSld name="Agenda">
     <p:spTree>
       <p:nvGrpSpPr>
@@ -1145,7 +1392,7 @@
 </p:sldLayout>
 </file>
 
-<file path=ppt/slideLayouts/slideLayout12.xml><?xml version="1.0" encoding="utf-8"?>
+<file path=ppt/slideLayouts/slideLayout11.xml><?xml version="1.0" encoding="utf-8"?>
 <p:sldLayout xmlns:a="http://schemas.openxmlformats.org/drawingml/2006/main" xmlns:r="http://schemas.openxmlformats.org/officeDocument/2006/relationships" xmlns:p="http://schemas.openxmlformats.org/presentationml/2006/main" type="tx">
   <p:cSld name="Statement">
     <p:spTree>
@@ -1368,7 +1615,7 @@
 </p:sldLayout>
 </file>
 
-<file path=ppt/slideLayouts/slideLayout13.xml><?xml version="1.0" encoding="utf-8"?>
+<file path=ppt/slideLayouts/slideLayout12.xml><?xml version="1.0" encoding="utf-8"?>
 <p:sldLayout xmlns:a="http://schemas.openxmlformats.org/drawingml/2006/main" xmlns:r="http://schemas.openxmlformats.org/officeDocument/2006/relationships" xmlns:p="http://schemas.openxmlformats.org/presentationml/2006/main" type="tx">
   <p:cSld name="Big Fact">
     <p:spTree>
@@ -1653,7 +1900,7 @@
 </p:sldLayout>
 </file>
 
-<file path=ppt/slideLayouts/slideLayout14.xml><?xml version="1.0" encoding="utf-8"?>
+<file path=ppt/slideLayouts/slideLayout13.xml><?xml version="1.0" encoding="utf-8"?>
 <p:sldLayout xmlns:a="http://schemas.openxmlformats.org/drawingml/2006/main" xmlns:r="http://schemas.openxmlformats.org/officeDocument/2006/relationships" xmlns:p="http://schemas.openxmlformats.org/presentationml/2006/main" type="tx">
   <p:cSld name="Quote">
     <p:spTree>
@@ -1938,7 +2185,7 @@
 </p:sldLayout>
 </file>
 
-<file path=ppt/slideLayouts/slideLayout15.xml><?xml version="1.0" encoding="utf-8"?>
+<file path=ppt/slideLayouts/slideLayout14.xml><?xml version="1.0" encoding="utf-8"?>
 <p:sldLayout xmlns:a="http://schemas.openxmlformats.org/drawingml/2006/main" xmlns:r="http://schemas.openxmlformats.org/officeDocument/2006/relationships" xmlns:p="http://schemas.openxmlformats.org/presentationml/2006/main" type="tx">
   <p:cSld name="Photo - 3 Up">
     <p:spTree>
@@ -2077,7 +2324,7 @@
 </p:sldLayout>
 </file>
 
-<file path=ppt/slideLayouts/slideLayout16.xml><?xml version="1.0" encoding="utf-8"?>
+<file path=ppt/slideLayouts/slideLayout15.xml><?xml version="1.0" encoding="utf-8"?>
 <p:sldLayout xmlns:a="http://schemas.openxmlformats.org/drawingml/2006/main" xmlns:r="http://schemas.openxmlformats.org/officeDocument/2006/relationships" xmlns:p="http://schemas.openxmlformats.org/presentationml/2006/main" type="tx">
   <p:cSld name="Photo">
     <p:spTree>
@@ -2158,7 +2405,7 @@
 </p:sldLayout>
 </file>
 
-<file path=ppt/slideLayouts/slideLayout17.xml><?xml version="1.0" encoding="utf-8"?>
+<file path=ppt/slideLayouts/slideLayout16.xml><?xml version="1.0" encoding="utf-8"?>
 <p:sldLayout xmlns:a="http://schemas.openxmlformats.org/drawingml/2006/main" xmlns:r="http://schemas.openxmlformats.org/officeDocument/2006/relationships" xmlns:p="http://schemas.openxmlformats.org/presentationml/2006/main" type="tx">
   <p:cSld name="Blank">
     <p:spTree>
@@ -3712,7 +3959,7 @@
           </a:ln>
           <a:extLst>
             <a:ext uri="{C572A759-6A51-4108-AA02-DFA0A04FC94B}">
-              <ma14:wrappingTextBoxFlag xmlns:ma14="http://schemas.microsoft.com/office/mac/drawingml/2011/main" xmlns:a14="http://schemas.microsoft.com/office/drawing/2010/main" xmlns:m="http://schemas.openxmlformats.org/officeDocument/2006/math" xmlns="" val="1"/>
+              <ma14:wrappingTextBoxFlag xmlns="" xmlns:m="http://schemas.openxmlformats.org/officeDocument/2006/math" xmlns:a14="http://schemas.microsoft.com/office/drawing/2010/main" xmlns:ma14="http://schemas.microsoft.com/office/mac/drawingml/2011/main" val="1"/>
             </a:ext>
           </a:extLst>
         </p:spPr>
@@ -3751,7 +3998,7 @@
           </a:ln>
           <a:extLst>
             <a:ext uri="{C572A759-6A51-4108-AA02-DFA0A04FC94B}">
-              <ma14:wrappingTextBoxFlag xmlns:ma14="http://schemas.microsoft.com/office/mac/drawingml/2011/main" xmlns:a14="http://schemas.microsoft.com/office/drawing/2010/main" xmlns:m="http://schemas.openxmlformats.org/officeDocument/2006/math" xmlns="" val="1"/>
+              <ma14:wrappingTextBoxFlag xmlns="" xmlns:m="http://schemas.openxmlformats.org/officeDocument/2006/math" xmlns:a14="http://schemas.microsoft.com/office/drawing/2010/main" xmlns:ma14="http://schemas.microsoft.com/office/mac/drawingml/2011/main" val="1"/>
             </a:ext>
           </a:extLst>
         </p:spPr>
@@ -3838,14 +4085,13 @@
     <p:sldLayoutId id="2147483655" r:id="rId7"/>
     <p:sldLayoutId id="2147483656" r:id="rId8"/>
     <p:sldLayoutId id="2147483657" r:id="rId9"/>
-    <p:sldLayoutId id="2147483658" r:id="rId10"/>
-    <p:sldLayoutId id="2147483659" r:id="rId11"/>
-    <p:sldLayoutId id="2147483660" r:id="rId12"/>
-    <p:sldLayoutId id="2147483661" r:id="rId13"/>
-    <p:sldLayoutId id="2147483662" r:id="rId14"/>
-    <p:sldLayoutId id="2147483663" r:id="rId15"/>
-    <p:sldLayoutId id="2147483664" r:id="rId16"/>
-    <p:sldLayoutId id="2147483665" r:id="rId17"/>
+    <p:sldLayoutId id="2147483659" r:id="rId10"/>
+    <p:sldLayoutId id="2147483660" r:id="rId11"/>
+    <p:sldLayoutId id="2147483661" r:id="rId12"/>
+    <p:sldLayoutId id="2147483662" r:id="rId13"/>
+    <p:sldLayoutId id="2147483663" r:id="rId14"/>
+    <p:sldLayoutId id="2147483664" r:id="rId15"/>
+    <p:sldLayoutId id="2147483665" r:id="rId16"/>
   </p:sldLayoutIdLst>
   <p:transition spd="med"/>
   <p:txStyles>
@@ -4688,6 +4934,7 @@
           <a:lstStyle/>
           <a:p>
             <a:r>
+              <a:rPr lang="en-US" dirty="0"/>
               <a:t>REST API</a:t>
             </a:r>
           </a:p>
@@ -4709,7 +4956,7 @@
           </a:prstGeom>
           <a:extLst>
             <a:ext uri="{C572A759-6A51-4108-AA02-DFA0A04FC94B}">
-              <ma14:wrappingTextBoxFlag xmlns:ma14="http://schemas.microsoft.com/office/mac/drawingml/2011/main" xmlns:a14="http://schemas.microsoft.com/office/drawing/2010/main" xmlns:m="http://schemas.openxmlformats.org/officeDocument/2006/math" xmlns="" val="1"/>
+              <ma14:wrappingTextBoxFlag xmlns="" xmlns:m="http://schemas.openxmlformats.org/officeDocument/2006/math" xmlns:a14="http://schemas.microsoft.com/office/drawing/2010/main" xmlns:ma14="http://schemas.microsoft.com/office/mac/drawingml/2011/main" val="1"/>
             </a:ext>
           </a:extLst>
         </p:spPr>
@@ -4718,8 +4965,18 @@
           <a:lstStyle/>
           <a:p>
             <a:r>
-              <a:t>tayakorn_s, dd/mm/yyyy</a:t>
-            </a:r>
+              <a:rPr dirty="0" err="1"/>
+              <a:t>tayakorn_s</a:t>
+            </a:r>
+            <a:r>
+              <a:rPr dirty="0"/>
+              <a:t>, </a:t>
+            </a:r>
+            <a:r>
+              <a:rPr lang="en-US" dirty="0"/>
+              <a:t>24 Jan 2024</a:t>
+            </a:r>
+            <a:endParaRPr dirty="0"/>
           </a:p>
         </p:txBody>
       </p:sp>
@@ -4743,6 +5000,7 @@
           <a:lstStyle/>
           <a:p>
             <a:r>
+              <a:rPr dirty="0"/>
               <a:t>With NODE.JS</a:t>
             </a:r>
           </a:p>
@@ -4776,7 +5034,51 @@
       </p:grpSpPr>
       <p:sp>
         <p:nvSpPr>
-          <p:cNvPr id="205" name="Attribution"/>
+          <p:cNvPr id="256" name="REST API"/>
+          <p:cNvSpPr txBox="1">
+            <a:spLocks noGrp="1"/>
+          </p:cNvSpPr>
+          <p:nvPr>
+            <p:ph type="title"/>
+          </p:nvPr>
+        </p:nvSpPr>
+        <p:spPr>
+          <a:prstGeom prst="rect">
+            <a:avLst/>
+          </a:prstGeom>
+        </p:spPr>
+        <p:txBody>
+          <a:bodyPr/>
+          <a:lstStyle>
+            <a:lvl1pPr defTabSz="1804370">
+              <a:lnSpc>
+                <a:spcPct val="90000"/>
+              </a:lnSpc>
+              <a:defRPr sz="8584" spc="-257">
+                <a:gradFill flip="none" rotWithShape="1">
+                  <a:gsLst>
+                    <a:gs pos="0">
+                      <a:srgbClr val="00E8FF"/>
+                    </a:gs>
+                    <a:gs pos="100000">
+                      <a:srgbClr val="FF00F7"/>
+                    </a:gs>
+                  </a:gsLst>
+                  <a:lin ang="3967761" scaled="0"/>
+                </a:gradFill>
+              </a:defRPr>
+            </a:lvl1pPr>
+          </a:lstStyle>
+          <a:p>
+            <a:r>
+              <a:t>REST API</a:t>
+            </a:r>
+          </a:p>
+        </p:txBody>
+      </p:sp>
+      <p:sp>
+        <p:nvSpPr>
+          <p:cNvPr id="257" name="Method PUT"/>
           <p:cNvSpPr txBox="1">
             <a:spLocks noGrp="1"/>
           </p:cNvSpPr>
@@ -4788,23 +5090,60 @@
           <a:prstGeom prst="rect">
             <a:avLst/>
           </a:prstGeom>
+          <a:extLst>
+            <a:ext uri="{C572A759-6A51-4108-AA02-DFA0A04FC94B}">
+              <ma14:wrappingTextBoxFlag xmlns="" xmlns:m="http://schemas.openxmlformats.org/officeDocument/2006/math" xmlns:a14="http://schemas.microsoft.com/office/drawing/2010/main" xmlns:ma14="http://schemas.microsoft.com/office/mac/drawingml/2011/main" val="1"/>
+            </a:ext>
+          </a:extLst>
         </p:spPr>
         <p:txBody>
           <a:bodyPr/>
           <a:lstStyle/>
           <a:p>
-            <a:endParaRPr/>
-          </a:p>
-        </p:txBody>
-      </p:sp>
-      <p:sp>
-        <p:nvSpPr>
-          <p:cNvPr id="206" name="&quot;I Promise a Result!&quot;"/>
-          <p:cNvSpPr txBox="1">
-            <a:spLocks noGrp="1"/>
-          </p:cNvSpPr>
-          <p:nvPr>
-            <p:ph type="body" sz="half" idx="1"/>
+            <a:pPr defTabSz="1560575">
+              <a:lnSpc>
+                <a:spcPct val="80000"/>
+              </a:lnSpc>
+              <a:defRPr sz="5376" spc="-107">
+                <a:gradFill flip="none" rotWithShape="1">
+                  <a:gsLst>
+                    <a:gs pos="0">
+                      <a:srgbClr val="FF00D8"/>
+                    </a:gs>
+                    <a:gs pos="100000">
+                      <a:srgbClr val="FFFD00"/>
+                    </a:gs>
+                  </a:gsLst>
+                  <a:lin ang="2700000" scaled="0"/>
+                </a:gradFill>
+                <a:latin typeface="+mn-lt"/>
+                <a:ea typeface="+mn-ea"/>
+                <a:cs typeface="+mn-cs"/>
+                <a:sym typeface="Graphik Semibold"/>
+              </a:defRPr>
+            </a:pPr>
+            <a:r>
+              <a:rPr>
+                <a:solidFill>
+                  <a:srgbClr val="D5D5D5"/>
+                </a:solidFill>
+              </a:rPr>
+              <a:t>Method</a:t>
+            </a:r>
+            <a:r>
+              <a:t> PUT</a:t>
+            </a:r>
+          </a:p>
+        </p:txBody>
+      </p:sp>
+      <p:sp>
+        <p:nvSpPr>
+          <p:cNvPr id="258" name="/todo/{id}"/>
+          <p:cNvSpPr txBox="1">
+            <a:spLocks noGrp="1"/>
+          </p:cNvSpPr>
+          <p:nvPr>
+            <p:ph type="body" idx="1"/>
           </p:nvPr>
         </p:nvSpPr>
         <p:spPr>
@@ -4817,7 +5156,7 @@
           <a:lstStyle/>
           <a:p>
             <a:r>
-              <a:t>"I Promise a Result!"</a:t>
+              <a:t>/todo/{id}</a:t>
             </a:r>
           </a:p>
         </p:txBody>
@@ -4850,7 +5189,7 @@
       </p:grpSpPr>
       <p:sp>
         <p:nvSpPr>
-          <p:cNvPr id="208" name="Promise"/>
+          <p:cNvPr id="260" name="REST API"/>
           <p:cNvSpPr txBox="1">
             <a:spLocks noGrp="1"/>
           </p:cNvSpPr>
@@ -4887,15 +5226,14 @@
           </a:lstStyle>
           <a:p>
             <a:r>
-              <a:rPr dirty="0"/>
-              <a:t>Promise</a:t>
-            </a:r>
-          </a:p>
-        </p:txBody>
-      </p:sp>
-      <p:sp>
-        <p:nvSpPr>
-          <p:cNvPr id="209" name="Slide Subtitle"/>
+              <a:t>REST API</a:t>
+            </a:r>
+          </a:p>
+        </p:txBody>
+      </p:sp>
+      <p:sp>
+        <p:nvSpPr>
+          <p:cNvPr id="261" name="Method DELETE"/>
           <p:cNvSpPr txBox="1">
             <a:spLocks noGrp="1"/>
           </p:cNvSpPr>
@@ -4907,63 +5245,21 @@
           <a:prstGeom prst="rect">
             <a:avLst/>
           </a:prstGeom>
+          <a:extLst>
+            <a:ext uri="{C572A759-6A51-4108-AA02-DFA0A04FC94B}">
+              <ma14:wrappingTextBoxFlag xmlns="" xmlns:m="http://schemas.openxmlformats.org/officeDocument/2006/math" xmlns:a14="http://schemas.microsoft.com/office/drawing/2010/main" xmlns:ma14="http://schemas.microsoft.com/office/mac/drawingml/2011/main" val="1"/>
+            </a:ext>
+          </a:extLst>
         </p:spPr>
         <p:txBody>
           <a:bodyPr/>
           <a:lstStyle/>
           <a:p>
-            <a:endParaRPr/>
-          </a:p>
-        </p:txBody>
-      </p:sp>
-      <p:sp>
-        <p:nvSpPr>
-          <p:cNvPr id="210" name="New way to implement asynchronous function.…"/>
-          <p:cNvSpPr txBox="1">
-            <a:spLocks noGrp="1"/>
-          </p:cNvSpPr>
-          <p:nvPr>
-            <p:ph type="body" idx="1"/>
-          </p:nvPr>
-        </p:nvSpPr>
-        <p:spPr>
-          <a:prstGeom prst="rect">
-            <a:avLst/>
-          </a:prstGeom>
-        </p:spPr>
-        <p:txBody>
-          <a:bodyPr/>
-          <a:lstStyle/>
-          <a:p>
-            <a:r>
-              <a:rPr dirty="0"/>
-              <a:t>New way to implement </a:t>
-            </a:r>
-            <a:r>
-              <a:rPr b="1" u="sng" dirty="0"/>
-              <a:t>asynchronous</a:t>
-            </a:r>
-            <a:r>
-              <a:rPr dirty="0"/>
-              <a:t> function.</a:t>
-            </a:r>
-          </a:p>
-          <a:p>
-            <a:pPr>
-              <a:defRPr b="1"/>
-            </a:pPr>
-            <a:r>
-              <a:rPr dirty="0"/>
-              <a:t>Solved `Callback Hell` issue.</a:t>
-            </a:r>
-          </a:p>
-          <a:p>
-            <a:r>
-              <a:rPr dirty="0"/>
-              <a:t>There are </a:t>
-            </a:r>
-            <a:r>
-              <a:rPr b="1" dirty="0">
+            <a:pPr defTabSz="1560575">
+              <a:lnSpc>
+                <a:spcPct val="80000"/>
+              </a:lnSpc>
+              <a:defRPr sz="5376" spc="-107">
                 <a:gradFill flip="none" rotWithShape="1">
                   <a:gsLst>
                     <a:gs pos="0">
@@ -4975,111 +5271,47 @@
                   </a:gsLst>
                   <a:lin ang="2700000" scaled="0"/>
                 </a:gradFill>
-              </a:rPr>
-              <a:t>3</a:t>
-            </a:r>
-            <a:r>
-              <a:rPr dirty="0"/>
-              <a:t> states</a:t>
-            </a:r>
-          </a:p>
-          <a:p>
-            <a:pPr lvl="1">
-              <a:defRPr>
-                <a:gradFill flip="none" rotWithShape="1">
-                  <a:gsLst>
-                    <a:gs pos="0">
-                      <a:srgbClr val="FF00D8"/>
-                    </a:gs>
-                    <a:gs pos="100000">
-                      <a:srgbClr val="FFFD00"/>
-                    </a:gs>
-                  </a:gsLst>
-                  <a:lin ang="2700000" scaled="0"/>
-                </a:gradFill>
+                <a:latin typeface="+mn-lt"/>
+                <a:ea typeface="+mn-ea"/>
+                <a:cs typeface="+mn-cs"/>
+                <a:sym typeface="Graphik Semibold"/>
               </a:defRPr>
             </a:pPr>
             <a:r>
-              <a:rPr b="1" dirty="0"/>
-              <a:t>Pending</a:t>
-            </a:r>
-            <a:r>
-              <a:rPr dirty="0"/>
-              <a:t> </a:t>
-            </a:r>
-            <a:r>
-              <a:rPr dirty="0">
+              <a:rPr>
                 <a:solidFill>
-                  <a:srgbClr val="FFFFFF"/>
+                  <a:srgbClr val="D5D5D5"/>
                 </a:solidFill>
               </a:rPr>
-              <a:t>state</a:t>
-            </a:r>
-          </a:p>
-          <a:p>
-            <a:pPr lvl="1">
-              <a:defRPr>
-                <a:gradFill flip="none" rotWithShape="1">
-                  <a:gsLst>
-                    <a:gs pos="0">
-                      <a:srgbClr val="FF00D8"/>
-                    </a:gs>
-                    <a:gs pos="100000">
-                      <a:srgbClr val="FFFD00"/>
-                    </a:gs>
-                  </a:gsLst>
-                  <a:lin ang="2700000" scaled="0"/>
-                </a:gradFill>
-              </a:defRPr>
-            </a:pPr>
-            <a:r>
-              <a:rPr b="1" dirty="0"/>
-              <a:t>Resolved</a:t>
-            </a:r>
-            <a:r>
-              <a:rPr dirty="0"/>
-              <a:t> </a:t>
-            </a:r>
-            <a:r>
-              <a:rPr dirty="0">
-                <a:solidFill>
-                  <a:srgbClr val="FFFFFF"/>
-                </a:solidFill>
-              </a:rPr>
-              <a:t>state</a:t>
-            </a:r>
-          </a:p>
-          <a:p>
-            <a:pPr lvl="1">
-              <a:defRPr>
-                <a:gradFill flip="none" rotWithShape="1">
-                  <a:gsLst>
-                    <a:gs pos="0">
-                      <a:srgbClr val="FF00D8"/>
-                    </a:gs>
-                    <a:gs pos="100000">
-                      <a:srgbClr val="FFFD00"/>
-                    </a:gs>
-                  </a:gsLst>
-                  <a:lin ang="2700000" scaled="0"/>
-                </a:gradFill>
-              </a:defRPr>
-            </a:pPr>
-            <a:r>
-              <a:rPr b="1" dirty="0"/>
-              <a:t>Rejected</a:t>
-            </a:r>
-            <a:r>
-              <a:rPr dirty="0"/>
-              <a:t> </a:t>
-            </a:r>
-            <a:r>
-              <a:rPr dirty="0">
-                <a:solidFill>
-                  <a:srgbClr val="FFFFFF"/>
-                </a:solidFill>
-              </a:rPr>
-              <a:t>state</a:t>
+              <a:t>Method</a:t>
+            </a:r>
+            <a:r>
+              <a:t> DELETE</a:t>
+            </a:r>
+          </a:p>
+        </p:txBody>
+      </p:sp>
+      <p:sp>
+        <p:nvSpPr>
+          <p:cNvPr id="262" name="/todo/{id}"/>
+          <p:cNvSpPr txBox="1">
+            <a:spLocks noGrp="1"/>
+          </p:cNvSpPr>
+          <p:nvPr>
+            <p:ph type="body" idx="1"/>
+          </p:nvPr>
+        </p:nvSpPr>
+        <p:spPr>
+          <a:prstGeom prst="rect">
+            <a:avLst/>
+          </a:prstGeom>
+        </p:spPr>
+        <p:txBody>
+          <a:bodyPr/>
+          <a:lstStyle/>
+          <a:p>
+            <a:r>
+              <a:t>/todo/{id}</a:t>
             </a:r>
           </a:p>
         </p:txBody>
@@ -5112,57 +5344,40 @@
       </p:grpSpPr>
       <p:sp>
         <p:nvSpPr>
-          <p:cNvPr id="212" name="Attribution"/>
-          <p:cNvSpPr txBox="1">
-            <a:spLocks noGrp="1"/>
-          </p:cNvSpPr>
-          <p:nvPr>
-            <p:ph type="body" idx="21"/>
-          </p:nvPr>
-        </p:nvSpPr>
-        <p:spPr>
-          <a:prstGeom prst="rect">
-            <a:avLst/>
-          </a:prstGeom>
-        </p:spPr>
-        <p:txBody>
-          <a:bodyPr/>
+          <p:cNvPr id="13" name="Text Placeholder 12">
+            <a:extLst>
+              <a:ext uri="{FF2B5EF4-FFF2-40B4-BE49-F238E27FC236}">
+                <a16:creationId xmlns:a16="http://schemas.microsoft.com/office/drawing/2014/main" id="{BC332507-6567-31F6-6A66-E9A214482259}"/>
+              </a:ext>
+            </a:extLst>
+          </p:cNvPr>
+          <p:cNvSpPr>
+            <a:spLocks noGrp="1"/>
+          </p:cNvSpPr>
+          <p:nvPr>
+            <p:ph type="body" sz="half" idx="1"/>
+          </p:nvPr>
+        </p:nvSpPr>
+        <p:spPr/>
+        <p:txBody>
+          <a:bodyPr>
+            <a:normAutofit/>
+          </a:bodyPr>
           <a:lstStyle/>
           <a:p>
-            <a:endParaRPr/>
-          </a:p>
-        </p:txBody>
-      </p:sp>
-      <p:sp>
-        <p:nvSpPr>
-          <p:cNvPr id="213" name="&quot;async and await make promises easier to write&quot;"/>
-          <p:cNvSpPr txBox="1">
-            <a:spLocks noGrp="1"/>
-          </p:cNvSpPr>
-          <p:nvPr>
-            <p:ph type="body" sz="half" idx="1"/>
-          </p:nvPr>
-        </p:nvSpPr>
-        <p:spPr>
-          <a:prstGeom prst="rect">
-            <a:avLst/>
-          </a:prstGeom>
-        </p:spPr>
-        <p:txBody>
-          <a:bodyPr/>
-          <a:lstStyle>
-            <a:lvl1pPr>
-              <a:defRPr sz="7700" spc="-154"/>
-            </a:lvl1pPr>
-          </a:lstStyle>
-          <a:p>
-            <a:r>
-              <a:t>"async and await make promises easier to write"</a:t>
+            <a:r>
+              <a:rPr lang="en-US" sz="12000" dirty="0"/>
+              <a:t>Best Practices in API Design</a:t>
             </a:r>
           </a:p>
         </p:txBody>
       </p:sp>
     </p:spTree>
+    <p:extLst>
+      <p:ext uri="{BB962C8B-B14F-4D97-AF65-F5344CB8AC3E}">
+        <p14:creationId xmlns:p14="http://schemas.microsoft.com/office/powerpoint/2010/main" val="3885417198"/>
+      </p:ext>
+    </p:extLst>
   </p:cSld>
   <p:clrMapOvr>
     <a:masterClrMapping/>
@@ -5190,106 +5405,138 @@
       </p:grpSpPr>
       <p:sp>
         <p:nvSpPr>
-          <p:cNvPr id="215" name="Async Await"/>
-          <p:cNvSpPr txBox="1">
+          <p:cNvPr id="4" name="Title 3">
+            <a:extLst>
+              <a:ext uri="{FF2B5EF4-FFF2-40B4-BE49-F238E27FC236}">
+                <a16:creationId xmlns:a16="http://schemas.microsoft.com/office/drawing/2014/main" id="{9DB91ACC-70F4-B718-DE7B-4121C8E2323D}"/>
+              </a:ext>
+            </a:extLst>
+          </p:cNvPr>
+          <p:cNvSpPr>
             <a:spLocks noGrp="1"/>
           </p:cNvSpPr>
           <p:nvPr>
             <p:ph type="title"/>
           </p:nvPr>
         </p:nvSpPr>
-        <p:spPr>
-          <a:prstGeom prst="rect">
-            <a:avLst/>
-          </a:prstGeom>
-        </p:spPr>
-        <p:txBody>
-          <a:bodyPr/>
-          <a:lstStyle>
-            <a:lvl1pPr defTabSz="1828754">
-              <a:lnSpc>
-                <a:spcPct val="90000"/>
-              </a:lnSpc>
-              <a:defRPr sz="8625" spc="-258">
-                <a:gradFill flip="none" rotWithShape="1">
-                  <a:gsLst>
-                    <a:gs pos="0">
-                      <a:srgbClr val="00E8FF"/>
-                    </a:gs>
-                    <a:gs pos="100000">
-                      <a:srgbClr val="FF00F7"/>
-                    </a:gs>
-                  </a:gsLst>
-                  <a:lin ang="3967761" scaled="0"/>
-                </a:gradFill>
-              </a:defRPr>
-            </a:lvl1pPr>
-          </a:lstStyle>
-          <a:p>
-            <a:r>
-              <a:t>Async Await</a:t>
-            </a:r>
-          </a:p>
-        </p:txBody>
-      </p:sp>
-      <p:sp>
-        <p:nvSpPr>
-          <p:cNvPr id="216" name="Slide Subtitle"/>
-          <p:cNvSpPr txBox="1">
-            <a:spLocks noGrp="1"/>
-          </p:cNvSpPr>
-          <p:nvPr>
-            <p:ph type="body" idx="21"/>
-          </p:nvPr>
-        </p:nvSpPr>
-        <p:spPr>
-          <a:prstGeom prst="rect">
-            <a:avLst/>
-          </a:prstGeom>
-        </p:spPr>
+        <p:spPr/>
         <p:txBody>
           <a:bodyPr/>
           <a:lstStyle/>
           <a:p>
-            <a:endParaRPr/>
-          </a:p>
-        </p:txBody>
-      </p:sp>
-      <p:sp>
-        <p:nvSpPr>
-          <p:cNvPr id="217" name="It’s same as Promise…"/>
-          <p:cNvSpPr txBox="1">
+            <a:endParaRPr lang="en-US" dirty="0"/>
+          </a:p>
+        </p:txBody>
+      </p:sp>
+      <p:sp>
+        <p:nvSpPr>
+          <p:cNvPr id="6" name="Text Placeholder 5">
+            <a:extLst>
+              <a:ext uri="{FF2B5EF4-FFF2-40B4-BE49-F238E27FC236}">
+                <a16:creationId xmlns:a16="http://schemas.microsoft.com/office/drawing/2014/main" id="{90A1FC98-DDC4-A8B4-4EA7-3D8DAC141695}"/>
+              </a:ext>
+            </a:extLst>
+          </p:cNvPr>
+          <p:cNvSpPr>
+            <a:spLocks noGrp="1"/>
+          </p:cNvSpPr>
+          <p:nvPr>
+            <p:ph type="body" sz="quarter" idx="21"/>
+          </p:nvPr>
+        </p:nvSpPr>
+        <p:spPr/>
+        <p:txBody>
+          <a:bodyPr/>
+          <a:lstStyle/>
+          <a:p>
+            <a:endParaRPr lang="en-US"/>
+          </a:p>
+        </p:txBody>
+      </p:sp>
+      <p:sp>
+        <p:nvSpPr>
+          <p:cNvPr id="5" name="Text Placeholder 4">
+            <a:extLst>
+              <a:ext uri="{FF2B5EF4-FFF2-40B4-BE49-F238E27FC236}">
+                <a16:creationId xmlns:a16="http://schemas.microsoft.com/office/drawing/2014/main" id="{6CB77564-7CF4-62D6-F8D9-E892B16010EB}"/>
+              </a:ext>
+            </a:extLst>
+          </p:cNvPr>
+          <p:cNvSpPr>
             <a:spLocks noGrp="1"/>
           </p:cNvSpPr>
           <p:nvPr>
             <p:ph type="body" idx="1"/>
           </p:nvPr>
         </p:nvSpPr>
-        <p:spPr>
-          <a:prstGeom prst="rect">
-            <a:avLst/>
-          </a:prstGeom>
-        </p:spPr>
+        <p:spPr/>
         <p:txBody>
           <a:bodyPr/>
           <a:lstStyle/>
           <a:p>
-            <a:r>
-              <a:t> It’s same as </a:t>
-            </a:r>
-            <a:r>
-              <a:rPr b="1"/>
-              <a:t>Promise</a:t>
-            </a:r>
-          </a:p>
-          <a:p>
-            <a:r>
-              <a:t>Make code much simpler to read</a:t>
-            </a:r>
+            <a:pPr marL="685800" indent="-685800">
+              <a:buFont typeface="Arial" panose="020B0604020202020204" pitchFamily="34" charset="0"/>
+              <a:buChar char="•"/>
+            </a:pPr>
+            <a:r>
+              <a:rPr lang="en-US" dirty="0"/>
+              <a:t>Understanding resources and collections</a:t>
+            </a:r>
+          </a:p>
+          <a:p>
+            <a:pPr marL="4038600" lvl="5" indent="-685800">
+              <a:buFont typeface="Arial" panose="020B0604020202020204" pitchFamily="34" charset="0"/>
+              <a:buChar char="•"/>
+            </a:pPr>
+            <a:r>
+              <a:rPr lang="en-US" dirty="0"/>
+              <a:t>/users </a:t>
+            </a:r>
+            <a:r>
+              <a:rPr lang="en-US" dirty="0">
+                <a:sym typeface="Wingdings" pitchFamily="2" charset="2"/>
+              </a:rPr>
+              <a:t>-&gt; collections of user</a:t>
+            </a:r>
+            <a:endParaRPr lang="en-US" dirty="0"/>
+          </a:p>
+          <a:p>
+            <a:pPr marL="4038600" lvl="5" indent="-685800">
+              <a:buFont typeface="Arial" panose="020B0604020202020204" pitchFamily="34" charset="0"/>
+              <a:buChar char="•"/>
+            </a:pPr>
+            <a:r>
+              <a:rPr lang="en-US" dirty="0"/>
+              <a:t>/</a:t>
+            </a:r>
+            <a:r>
+              <a:rPr lang="en-US" dirty="0" err="1"/>
+              <a:t>users?id</a:t>
+            </a:r>
+            <a:r>
+              <a:rPr lang="en-US" dirty="0"/>
+              <a:t>=1 -&gt; resources of user id 1</a:t>
+            </a:r>
+          </a:p>
+          <a:p>
+            <a:pPr marL="685800" lvl="3" indent="-685800">
+              <a:buFont typeface="Arial" panose="020B0604020202020204" pitchFamily="34" charset="0"/>
+              <a:buChar char="•"/>
+            </a:pPr>
+            <a:r>
+              <a:rPr lang="en-US" dirty="0" err="1"/>
+              <a:t>asdasd</a:t>
+            </a:r>
+            <a:endParaRPr lang="en-US" dirty="0"/>
           </a:p>
         </p:txBody>
       </p:sp>
     </p:spTree>
+    <p:extLst>
+      <p:ext uri="{BB962C8B-B14F-4D97-AF65-F5344CB8AC3E}">
+        <p14:creationId xmlns:p14="http://schemas.microsoft.com/office/powerpoint/2010/main" val="2117850567"/>
+      </p:ext>
+    </p:extLst>
   </p:cSld>
   <p:clrMapOvr>
     <a:masterClrMapping/>
@@ -5317,7 +5564,7 @@
       </p:grpSpPr>
       <p:sp>
         <p:nvSpPr>
-          <p:cNvPr id="221" name="Events and Event Emitter"/>
+          <p:cNvPr id="180" name="Preparation"/>
           <p:cNvSpPr txBox="1">
             <a:spLocks noGrp="1"/>
           </p:cNvSpPr>
@@ -5332,29 +5579,11 @@
         </p:spPr>
         <p:txBody>
           <a:bodyPr/>
-          <a:lstStyle>
-            <a:lvl1pPr defTabSz="2438400">
-              <a:lnSpc>
-                <a:spcPct val="80000"/>
-              </a:lnSpc>
-              <a:defRPr sz="8400" spc="-168">
-                <a:gradFill flip="none" rotWithShape="1">
-                  <a:gsLst>
-                    <a:gs pos="0">
-                      <a:srgbClr val="FF00D8"/>
-                    </a:gs>
-                    <a:gs pos="100000">
-                      <a:srgbClr val="FFFD00"/>
-                    </a:gs>
-                  </a:gsLst>
-                  <a:lin ang="2700000" scaled="0"/>
-                </a:gradFill>
-              </a:defRPr>
-            </a:lvl1pPr>
-          </a:lstStyle>
-          <a:p>
-            <a:r>
-              <a:t>Events and Event Emitter</a:t>
+          <a:lstStyle/>
+          <a:p>
+            <a:r>
+              <a:rPr dirty="0"/>
+              <a:t>Preparation</a:t>
             </a:r>
           </a:p>
         </p:txBody>
@@ -5385,36 +5614,9 @@
           <a:chExt cx="0" cy="0"/>
         </a:xfrm>
       </p:grpSpPr>
-      <p:pic>
-        <p:nvPicPr>
-          <p:cNvPr id="223" name="Northern Lights display over a snowy mountain landscape" descr="Northern Lights display over a snowy mountain landscape"/>
-          <p:cNvPicPr>
-            <a:picLocks noGrp="1" noChangeAspect="1"/>
-          </p:cNvPicPr>
-          <p:nvPr>
-            <p:ph type="pic" idx="21"/>
-          </p:nvPr>
-        </p:nvPicPr>
-        <p:blipFill>
-          <a:blip r:embed="rId2"/>
-          <a:srcRect t="12465" b="12465"/>
-          <a:stretch>
-            <a:fillRect/>
-          </a:stretch>
-        </p:blipFill>
-        <p:spPr>
-          <a:xfrm>
-            <a:off x="12204700" y="0"/>
-            <a:ext cx="12192000" cy="13716000"/>
-          </a:xfrm>
-          <a:prstGeom prst="rect">
-            <a:avLst/>
-          </a:prstGeom>
-        </p:spPr>
-      </p:pic>
-      <p:sp>
-        <p:nvSpPr>
-          <p:cNvPr id="224" name="Event Emitter"/>
+      <p:sp>
+        <p:nvSpPr>
+          <p:cNvPr id="182" name="Node.js"/>
           <p:cNvSpPr txBox="1">
             <a:spLocks noGrp="1"/>
           </p:cNvSpPr>
@@ -5431,7 +5633,10 @@
           <a:bodyPr/>
           <a:lstStyle>
             <a:lvl1pPr defTabSz="2438400">
-              <a:defRPr spc="-168">
+              <a:lnSpc>
+                <a:spcPct val="80000"/>
+              </a:lnSpc>
+              <a:defRPr spc="-232">
                 <a:gradFill flip="none" rotWithShape="1">
                   <a:gsLst>
                     <a:gs pos="0">
@@ -5448,61 +5653,8 @@
           </a:lstStyle>
           <a:p>
             <a:r>
-              <a:t>Event Emitter</a:t>
-            </a:r>
-          </a:p>
-        </p:txBody>
-      </p:sp>
-      <p:sp>
-        <p:nvSpPr>
-          <p:cNvPr id="225" name="Publish data through event name…"/>
-          <p:cNvSpPr txBox="1">
-            <a:spLocks noGrp="1"/>
-          </p:cNvSpPr>
-          <p:nvPr>
-            <p:ph type="body" sz="half" idx="1"/>
-          </p:nvPr>
-        </p:nvSpPr>
-        <p:spPr>
-          <a:prstGeom prst="rect">
-            <a:avLst/>
-          </a:prstGeom>
-        </p:spPr>
-        <p:txBody>
-          <a:bodyPr/>
-          <a:lstStyle/>
-          <a:p>
-            <a:r>
-              <a:t>Publish data through event name</a:t>
-            </a:r>
-          </a:p>
-          <a:p>
-            <a:r>
-              <a:t>Subscribe data through event handler and event name</a:t>
-            </a:r>
-          </a:p>
-        </p:txBody>
-      </p:sp>
-      <p:sp>
-        <p:nvSpPr>
-          <p:cNvPr id="226" name="Slide Subtitle"/>
-          <p:cNvSpPr txBox="1">
-            <a:spLocks noGrp="1"/>
-          </p:cNvSpPr>
-          <p:nvPr>
-            <p:ph type="body" idx="22"/>
-          </p:nvPr>
-        </p:nvSpPr>
-        <p:spPr>
-          <a:prstGeom prst="rect">
-            <a:avLst/>
-          </a:prstGeom>
-        </p:spPr>
-        <p:txBody>
-          <a:bodyPr/>
-          <a:lstStyle/>
-          <a:p>
-            <a:endParaRPr/>
+              <a:t>Node.js</a:t>
+            </a:r>
           </a:p>
         </p:txBody>
       </p:sp>
@@ -5532,9 +5684,36 @@
           <a:chExt cx="0" cy="0"/>
         </a:xfrm>
       </p:grpSpPr>
-      <p:sp>
-        <p:nvSpPr>
-          <p:cNvPr id="228" name="REST API"/>
+      <p:pic>
+        <p:nvPicPr>
+          <p:cNvPr id="184" name="Northern Lights display over a snowy mountain landscape" descr="Northern Lights display over a snowy mountain landscape"/>
+          <p:cNvPicPr>
+            <a:picLocks noGrp="1" noChangeAspect="1"/>
+          </p:cNvPicPr>
+          <p:nvPr>
+            <p:ph type="pic" idx="21"/>
+          </p:nvPr>
+        </p:nvPicPr>
+        <p:blipFill>
+          <a:blip r:embed="rId2"/>
+          <a:srcRect t="12465" b="12465"/>
+          <a:stretch>
+            <a:fillRect/>
+          </a:stretch>
+        </p:blipFill>
+        <p:spPr>
+          <a:xfrm>
+            <a:off x="12204700" y="0"/>
+            <a:ext cx="12192000" cy="13716000"/>
+          </a:xfrm>
+          <a:prstGeom prst="rect">
+            <a:avLst/>
+          </a:prstGeom>
+        </p:spPr>
+      </p:pic>
+      <p:sp>
+        <p:nvSpPr>
+          <p:cNvPr id="185" name="Node.js"/>
           <p:cNvSpPr txBox="1">
             <a:spLocks noGrp="1"/>
           </p:cNvSpPr>
@@ -5550,26 +5729,102 @@
         <p:txBody>
           <a:bodyPr/>
           <a:lstStyle>
-            <a:lvl1pPr defTabSz="2438338">
-              <a:defRPr>
+            <a:lvl1pPr defTabSz="2438400">
+              <a:defRPr spc="-168">
                 <a:gradFill flip="none" rotWithShape="1">
                   <a:gsLst>
                     <a:gs pos="0">
-                      <a:srgbClr val="00E8FF"/>
+                      <a:srgbClr val="FF00D8"/>
                     </a:gs>
                     <a:gs pos="100000">
-                      <a:srgbClr val="FF00F7"/>
+                      <a:srgbClr val="FFFD00"/>
                     </a:gs>
                   </a:gsLst>
-                  <a:lin ang="3967761" scaled="0"/>
+                  <a:lin ang="2700000" scaled="0"/>
                 </a:gradFill>
               </a:defRPr>
             </a:lvl1pPr>
           </a:lstStyle>
           <a:p>
             <a:r>
-              <a:t>REST API</a:t>
-            </a:r>
+              <a:t>Node.js</a:t>
+            </a:r>
+          </a:p>
+        </p:txBody>
+      </p:sp>
+      <p:sp>
+        <p:nvSpPr>
+          <p:cNvPr id="186" name="Node.js is a JavaScript runtime built on Chrome's V8 JavaScript engine."/>
+          <p:cNvSpPr txBox="1">
+            <a:spLocks noGrp="1"/>
+          </p:cNvSpPr>
+          <p:nvPr>
+            <p:ph type="body" sz="half" idx="1"/>
+          </p:nvPr>
+        </p:nvSpPr>
+        <p:spPr>
+          <a:prstGeom prst="rect">
+            <a:avLst/>
+          </a:prstGeom>
+        </p:spPr>
+        <p:txBody>
+          <a:bodyPr/>
+          <a:lstStyle/>
+          <a:p>
+            <a:pPr marL="0" indent="0">
+              <a:buClrTx/>
+              <a:buSzTx/>
+              <a:buNone/>
+            </a:pPr>
+            <a:r>
+              <a:rPr b="1">
+                <a:gradFill flip="none" rotWithShape="1">
+                  <a:gsLst>
+                    <a:gs pos="0">
+                      <a:srgbClr val="FF00D8"/>
+                    </a:gs>
+                    <a:gs pos="100000">
+                      <a:srgbClr val="FFFD00"/>
+                    </a:gs>
+                  </a:gsLst>
+                  <a:lin ang="2700000" scaled="0"/>
+                </a:gradFill>
+              </a:rPr>
+              <a:t>Node.js</a:t>
+            </a:r>
+            <a:r>
+              <a:t> is a </a:t>
+            </a:r>
+            <a:r>
+              <a:rPr b="1" u="sng"/>
+              <a:t>JavaScript</a:t>
+            </a:r>
+            <a:r>
+              <a:t> runtime built on Chrome's V8 JavaScript engine.</a:t>
+            </a:r>
+          </a:p>
+        </p:txBody>
+      </p:sp>
+      <p:sp>
+        <p:nvSpPr>
+          <p:cNvPr id="187" name="Slide Subtitle"/>
+          <p:cNvSpPr txBox="1">
+            <a:spLocks noGrp="1"/>
+          </p:cNvSpPr>
+          <p:nvPr>
+            <p:ph type="body" idx="22"/>
+          </p:nvPr>
+        </p:nvSpPr>
+        <p:spPr>
+          <a:prstGeom prst="rect">
+            <a:avLst/>
+          </a:prstGeom>
+        </p:spPr>
+        <p:txBody>
+          <a:bodyPr/>
+          <a:lstStyle/>
+          <a:p>
+            <a:endParaRPr/>
           </a:p>
         </p:txBody>
       </p:sp>
@@ -5599,9 +5854,36 @@
           <a:chExt cx="0" cy="0"/>
         </a:xfrm>
       </p:grpSpPr>
-      <p:sp>
-        <p:nvSpPr>
-          <p:cNvPr id="230" name="API"/>
+      <p:pic>
+        <p:nvPicPr>
+          <p:cNvPr id="189" name="Colorful clouds against a starry night sky" descr="Colorful clouds against a starry night sky"/>
+          <p:cNvPicPr>
+            <a:picLocks noGrp="1" noChangeAspect="1"/>
+          </p:cNvPicPr>
+          <p:nvPr>
+            <p:ph type="pic" idx="21"/>
+          </p:nvPr>
+        </p:nvPicPr>
+        <p:blipFill>
+          <a:blip r:embed="rId2"/>
+          <a:srcRect t="12465" b="12465"/>
+          <a:stretch>
+            <a:fillRect/>
+          </a:stretch>
+        </p:blipFill>
+        <p:spPr>
+          <a:xfrm>
+            <a:off x="12204700" y="0"/>
+            <a:ext cx="12192000" cy="13716000"/>
+          </a:xfrm>
+          <a:prstGeom prst="rect">
+            <a:avLst/>
+          </a:prstGeom>
+        </p:spPr>
+      </p:pic>
+      <p:sp>
+        <p:nvSpPr>
+          <p:cNvPr id="190" name="Setup Node.js"/>
           <p:cNvSpPr txBox="1">
             <a:spLocks noGrp="1"/>
           </p:cNvSpPr>
@@ -5617,11 +5899,53 @@
         <p:txBody>
           <a:bodyPr/>
           <a:lstStyle>
-            <a:lvl1pPr defTabSz="1804370">
-              <a:lnSpc>
-                <a:spcPct val="90000"/>
-              </a:lnSpc>
-              <a:defRPr sz="8584" spc="-257">
+            <a:lvl1pPr defTabSz="2438400">
+              <a:defRPr spc="-168">
+                <a:gradFill flip="none" rotWithShape="1">
+                  <a:gsLst>
+                    <a:gs pos="0">
+                      <a:srgbClr val="FF00D8"/>
+                    </a:gs>
+                    <a:gs pos="100000">
+                      <a:srgbClr val="FFFD00"/>
+                    </a:gs>
+                  </a:gsLst>
+                  <a:lin ang="2700000" scaled="0"/>
+                </a:gradFill>
+              </a:defRPr>
+            </a:lvl1pPr>
+          </a:lstStyle>
+          <a:p>
+            <a:r>
+              <a:t>Setup Node.js</a:t>
+            </a:r>
+          </a:p>
+        </p:txBody>
+      </p:sp>
+      <p:sp>
+        <p:nvSpPr>
+          <p:cNvPr id="191" name="Setup Node.js with `npm init`…"/>
+          <p:cNvSpPr txBox="1">
+            <a:spLocks noGrp="1"/>
+          </p:cNvSpPr>
+          <p:nvPr>
+            <p:ph type="body" sz="half" idx="1"/>
+          </p:nvPr>
+        </p:nvSpPr>
+        <p:spPr>
+          <a:prstGeom prst="rect">
+            <a:avLst/>
+          </a:prstGeom>
+        </p:spPr>
+        <p:txBody>
+          <a:bodyPr/>
+          <a:lstStyle/>
+          <a:p>
+            <a:r>
+              <a:t>Setup </a:t>
+            </a:r>
+            <a:r>
+              <a:rPr b="1">
                 <a:gradFill flip="none" rotWithShape="1">
                   <a:gsLst>
                     <a:gs pos="0">
@@ -5633,96 +5957,48 @@
                   </a:gsLst>
                   <a:lin ang="3967761" scaled="0"/>
                 </a:gradFill>
-              </a:defRPr>
-            </a:lvl1pPr>
-          </a:lstStyle>
-          <a:p>
-            <a:r>
-              <a:t>API</a:t>
-            </a:r>
-          </a:p>
-        </p:txBody>
-      </p:sp>
-      <p:sp>
-        <p:nvSpPr>
-          <p:cNvPr id="231" name="Application Programming Interface"/>
-          <p:cNvSpPr txBox="1">
-            <a:spLocks noGrp="1"/>
-          </p:cNvSpPr>
-          <p:nvPr>
-            <p:ph type="body" idx="21"/>
-          </p:nvPr>
-        </p:nvSpPr>
-        <p:spPr>
-          <a:prstGeom prst="rect">
-            <a:avLst/>
-          </a:prstGeom>
-          <a:extLst>
-            <a:ext uri="{C572A759-6A51-4108-AA02-DFA0A04FC94B}">
-              <ma14:wrappingTextBoxFlag xmlns:ma14="http://schemas.microsoft.com/office/mac/drawingml/2011/main" xmlns:a14="http://schemas.microsoft.com/office/drawing/2010/main" xmlns:m="http://schemas.openxmlformats.org/officeDocument/2006/math" xmlns="" val="1"/>
-            </a:ext>
-          </a:extLst>
+              </a:rPr>
+              <a:t>Node.js</a:t>
+            </a:r>
+            <a:r>
+              <a:t> with `npm init`</a:t>
+            </a:r>
+          </a:p>
+          <a:p>
+            <a:r>
+              <a:t>Setup Babel `npm install --save-dev @babel/core @babel/cli @babel/preset-env @babel/node`</a:t>
+            </a:r>
+          </a:p>
+          <a:p>
+            <a:r>
+              <a:t>Setup build and run command Add build command to generate ES5 Add start command to run simple app</a:t>
+            </a:r>
+          </a:p>
+        </p:txBody>
+      </p:sp>
+      <p:sp>
+        <p:nvSpPr>
+          <p:cNvPr id="192" name="Slide Subtitle"/>
+          <p:cNvSpPr txBox="1">
+            <a:spLocks noGrp="1"/>
+          </p:cNvSpPr>
+          <p:nvPr>
+            <p:ph type="body" idx="22"/>
+          </p:nvPr>
+        </p:nvSpPr>
+        <p:spPr>
+          <a:prstGeom prst="rect">
+            <a:avLst/>
+          </a:prstGeom>
         </p:spPr>
         <p:txBody>
           <a:bodyPr/>
           <a:lstStyle/>
           <a:p>
-            <a:r>
-              <a:t>Application Programming Interface </a:t>
-            </a:r>
-          </a:p>
-        </p:txBody>
-      </p:sp>
-      <p:sp>
-        <p:nvSpPr>
-          <p:cNvPr id="232" name="Slide bullet text"/>
-          <p:cNvSpPr txBox="1">
-            <a:spLocks noGrp="1"/>
-          </p:cNvSpPr>
-          <p:nvPr>
-            <p:ph type="body" idx="1"/>
-          </p:nvPr>
-        </p:nvSpPr>
-        <p:spPr>
-          <a:prstGeom prst="rect">
-            <a:avLst/>
-          </a:prstGeom>
-        </p:spPr>
-        <p:txBody>
-          <a:bodyPr/>
-          <a:lstStyle/>
-          <a:p>
-            <a:endParaRPr dirty="0"/>
-          </a:p>
-        </p:txBody>
-      </p:sp>
-      <p:pic>
-        <p:nvPicPr>
-          <p:cNvPr id="233" name="pasted-movie.png" descr="pasted-movie.png"/>
-          <p:cNvPicPr>
-            <a:picLocks noChangeAspect="1"/>
-          </p:cNvPicPr>
-          <p:nvPr/>
-        </p:nvPicPr>
-        <p:blipFill>
-          <a:blip r:embed="rId2"/>
-          <a:stretch>
-            <a:fillRect/>
-          </a:stretch>
-        </p:blipFill>
-        <p:spPr>
-          <a:xfrm>
-            <a:off x="5093896" y="3438654"/>
-            <a:ext cx="14196208" cy="9640832"/>
-          </a:xfrm>
-          <a:prstGeom prst="rect">
-            <a:avLst/>
-          </a:prstGeom>
-          <a:ln w="12700">
-            <a:miter lim="400000"/>
-          </a:ln>
-        </p:spPr>
-      </p:pic>
+            <a:endParaRPr/>
+          </a:p>
+        </p:txBody>
+      </p:sp>
     </p:spTree>
   </p:cSld>
   <p:clrMapOvr>
@@ -5751,12 +6027,35 @@
       </p:grpSpPr>
       <p:sp>
         <p:nvSpPr>
-          <p:cNvPr id="235" name="REST API"/>
-          <p:cNvSpPr txBox="1">
-            <a:spLocks noGrp="1"/>
-          </p:cNvSpPr>
-          <p:nvPr>
-            <p:ph type="title"/>
+          <p:cNvPr id="194" name="Attribution"/>
+          <p:cNvSpPr txBox="1">
+            <a:spLocks noGrp="1"/>
+          </p:cNvSpPr>
+          <p:nvPr>
+            <p:ph type="body" idx="21"/>
+          </p:nvPr>
+        </p:nvSpPr>
+        <p:spPr>
+          <a:prstGeom prst="rect">
+            <a:avLst/>
+          </a:prstGeom>
+        </p:spPr>
+        <p:txBody>
+          <a:bodyPr/>
+          <a:lstStyle/>
+          <a:p>
+            <a:endParaRPr/>
+          </a:p>
+        </p:txBody>
+      </p:sp>
+      <p:sp>
+        <p:nvSpPr>
+          <p:cNvPr id="195" name="Callback / Promise / Async Await"/>
+          <p:cNvSpPr txBox="1">
+            <a:spLocks noGrp="1"/>
+          </p:cNvSpPr>
+          <p:nvPr>
+            <p:ph type="body" sz="half" idx="1"/>
           </p:nvPr>
         </p:nvSpPr>
         <p:spPr>
@@ -5767,11 +6066,11 @@
         <p:txBody>
           <a:bodyPr/>
           <a:lstStyle>
-            <a:lvl1pPr defTabSz="1804370">
+            <a:lvl1pPr defTabSz="2438338">
               <a:lnSpc>
                 <a:spcPct val="90000"/>
               </a:lnSpc>
-              <a:defRPr sz="8584" spc="-257">
+              <a:defRPr sz="11500" spc="-344">
                 <a:gradFill flip="none" rotWithShape="1">
                   <a:gsLst>
                     <a:gs pos="0">
@@ -5788,84 +6087,11 @@
           </a:lstStyle>
           <a:p>
             <a:r>
-              <a:t>REST API</a:t>
-            </a:r>
-          </a:p>
-        </p:txBody>
-      </p:sp>
-      <p:sp>
-        <p:nvSpPr>
-          <p:cNvPr id="236" name="Slide Subtitle"/>
-          <p:cNvSpPr txBox="1">
-            <a:spLocks noGrp="1"/>
-          </p:cNvSpPr>
-          <p:nvPr>
-            <p:ph type="body" idx="21"/>
-          </p:nvPr>
-        </p:nvSpPr>
-        <p:spPr>
-          <a:prstGeom prst="rect">
-            <a:avLst/>
-          </a:prstGeom>
-        </p:spPr>
-        <p:txBody>
-          <a:bodyPr/>
-          <a:lstStyle/>
-          <a:p>
-            <a:endParaRPr/>
-          </a:p>
-        </p:txBody>
-      </p:sp>
-      <p:sp>
-        <p:nvSpPr>
-          <p:cNvPr id="237" name="Slide bullet text"/>
-          <p:cNvSpPr txBox="1">
-            <a:spLocks noGrp="1"/>
-          </p:cNvSpPr>
-          <p:nvPr>
-            <p:ph type="body" idx="1"/>
-          </p:nvPr>
-        </p:nvSpPr>
-        <p:spPr>
-          <a:prstGeom prst="rect">
-            <a:avLst/>
-          </a:prstGeom>
-        </p:spPr>
-        <p:txBody>
-          <a:bodyPr/>
-          <a:lstStyle/>
-          <a:p>
-            <a:endParaRPr dirty="0"/>
-          </a:p>
-        </p:txBody>
-      </p:sp>
-      <p:pic>
-        <p:nvPicPr>
-          <p:cNvPr id="238" name="pasted-movie.png" descr="pasted-movie.png"/>
-          <p:cNvPicPr>
-            <a:picLocks noChangeAspect="1"/>
-          </p:cNvPicPr>
-          <p:nvPr/>
-        </p:nvPicPr>
-        <p:blipFill>
-          <a:blip r:embed="rId2"/>
-          <a:stretch>
-            <a:fillRect/>
-          </a:stretch>
-        </p:blipFill>
-        <p:spPr>
-          <a:xfrm>
-            <a:off x="1359683" y="4303032"/>
-            <a:ext cx="21664634" cy="5536237"/>
-          </a:xfrm>
-          <a:prstGeom prst="rect">
-            <a:avLst/>
-          </a:prstGeom>
-          <a:ln w="12700">
-            <a:miter lim="400000"/>
-          </a:ln>
-        </p:spPr>
-      </p:pic>
+              <a:t>Callback / Promise / Async Await</a:t>
+            </a:r>
+          </a:p>
+        </p:txBody>
+      </p:sp>
     </p:spTree>
   </p:cSld>
   <p:clrMapOvr>
@@ -5894,51 +6120,7 @@
       </p:grpSpPr>
       <p:sp>
         <p:nvSpPr>
-          <p:cNvPr id="240" name="REST API"/>
-          <p:cNvSpPr txBox="1">
-            <a:spLocks noGrp="1"/>
-          </p:cNvSpPr>
-          <p:nvPr>
-            <p:ph type="title"/>
-          </p:nvPr>
-        </p:nvSpPr>
-        <p:spPr>
-          <a:prstGeom prst="rect">
-            <a:avLst/>
-          </a:prstGeom>
-        </p:spPr>
-        <p:txBody>
-          <a:bodyPr/>
-          <a:lstStyle>
-            <a:lvl1pPr defTabSz="1804370">
-              <a:lnSpc>
-                <a:spcPct val="90000"/>
-              </a:lnSpc>
-              <a:defRPr sz="8584" spc="-257">
-                <a:gradFill flip="none" rotWithShape="1">
-                  <a:gsLst>
-                    <a:gs pos="0">
-                      <a:srgbClr val="00E8FF"/>
-                    </a:gs>
-                    <a:gs pos="100000">
-                      <a:srgbClr val="FF00F7"/>
-                    </a:gs>
-                  </a:gsLst>
-                  <a:lin ang="3967761" scaled="0"/>
-                </a:gradFill>
-              </a:defRPr>
-            </a:lvl1pPr>
-          </a:lstStyle>
-          <a:p>
-            <a:r>
-              <a:t>REST API</a:t>
-            </a:r>
-          </a:p>
-        </p:txBody>
-      </p:sp>
-      <p:sp>
-        <p:nvSpPr>
-          <p:cNvPr id="241" name="Method"/>
+          <p:cNvPr id="197" name="Attribution"/>
           <p:cNvSpPr txBox="1">
             <a:spLocks noGrp="1"/>
           </p:cNvSpPr>
@@ -5950,86 +6132,43 @@
           <a:prstGeom prst="rect">
             <a:avLst/>
           </a:prstGeom>
-          <a:extLst>
-            <a:ext uri="{C572A759-6A51-4108-AA02-DFA0A04FC94B}">
-              <ma14:wrappingTextBoxFlag xmlns:ma14="http://schemas.microsoft.com/office/mac/drawingml/2011/main" xmlns:a14="http://schemas.microsoft.com/office/drawing/2010/main" xmlns:m="http://schemas.openxmlformats.org/officeDocument/2006/math" xmlns="" val="1"/>
-            </a:ext>
-          </a:extLst>
-        </p:spPr>
-        <p:txBody>
-          <a:bodyPr/>
-          <a:lstStyle>
-            <a:lvl1pPr defTabSz="1560575">
-              <a:lnSpc>
-                <a:spcPct val="80000"/>
-              </a:lnSpc>
-              <a:defRPr sz="5376" spc="-107">
-                <a:gradFill flip="none" rotWithShape="1">
-                  <a:gsLst>
-                    <a:gs pos="0">
-                      <a:srgbClr val="FF00D8"/>
-                    </a:gs>
-                    <a:gs pos="100000">
-                      <a:srgbClr val="FFFD00"/>
-                    </a:gs>
-                  </a:gsLst>
-                  <a:lin ang="2700000" scaled="0"/>
-                </a:gradFill>
-                <a:latin typeface="+mn-lt"/>
-                <a:ea typeface="+mn-ea"/>
-                <a:cs typeface="+mn-cs"/>
-                <a:sym typeface="Graphik Semibold"/>
-              </a:defRPr>
-            </a:lvl1pPr>
-          </a:lstStyle>
-          <a:p>
-            <a:r>
-              <a:t>Method</a:t>
-            </a:r>
-          </a:p>
-        </p:txBody>
-      </p:sp>
-      <p:sp>
-        <p:nvSpPr>
-          <p:cNvPr id="242" name="GET…"/>
-          <p:cNvSpPr txBox="1">
-            <a:spLocks noGrp="1"/>
-          </p:cNvSpPr>
-          <p:nvPr>
-            <p:ph type="body" idx="1"/>
-          </p:nvPr>
-        </p:nvSpPr>
-        <p:spPr>
-          <a:prstGeom prst="rect">
-            <a:avLst/>
-          </a:prstGeom>
         </p:spPr>
         <p:txBody>
           <a:bodyPr/>
           <a:lstStyle/>
           <a:p>
-            <a:r>
-              <a:t>GET</a:t>
-            </a:r>
-          </a:p>
-          <a:p>
-            <a:r>
-              <a:t>POST</a:t>
-            </a:r>
-          </a:p>
-          <a:p>
-            <a:r>
-              <a:t>PATCH</a:t>
-            </a:r>
-          </a:p>
-          <a:p>
-            <a:r>
-              <a:t>PUT</a:t>
-            </a:r>
-          </a:p>
-          <a:p>
-            <a:r>
-              <a:t>DELETE</a:t>
+            <a:endParaRPr/>
+          </a:p>
+        </p:txBody>
+      </p:sp>
+      <p:sp>
+        <p:nvSpPr>
+          <p:cNvPr id="198" name="&quot;I will call back later!&quot;"/>
+          <p:cNvSpPr txBox="1">
+            <a:spLocks noGrp="1"/>
+          </p:cNvSpPr>
+          <p:nvPr>
+            <p:ph type="body" sz="half" idx="1"/>
+          </p:nvPr>
+        </p:nvSpPr>
+        <p:spPr>
+          <a:prstGeom prst="rect">
+            <a:avLst/>
+          </a:prstGeom>
+        </p:spPr>
+        <p:txBody>
+          <a:bodyPr/>
+          <a:lstStyle/>
+          <a:p>
+            <a:r>
+              <a:t>"I will </a:t>
+            </a:r>
+            <a:r>
+              <a:rPr u="sng"/>
+              <a:t>call back</a:t>
+            </a:r>
+            <a:r>
+              <a:t> later!"</a:t>
             </a:r>
           </a:p>
         </p:txBody>
@@ -6148,22 +6287,34 @@
           <a:lstStyle/>
           <a:p>
             <a:r>
+              <a:rPr lang="en-GB" dirty="0"/>
+              <a:t>API</a:t>
+            </a:r>
+            <a:endParaRPr lang="th-TH" dirty="0"/>
+          </a:p>
+          <a:p>
+            <a:r>
+              <a:rPr lang="en-US" dirty="0"/>
+              <a:t>REST API</a:t>
+            </a:r>
+            <a:endParaRPr lang="th-TH" dirty="0"/>
+          </a:p>
+          <a:p>
+            <a:r>
+              <a:rPr lang="en-US" dirty="0"/>
+              <a:t>Best Practices in API Design</a:t>
+            </a:r>
+          </a:p>
+          <a:p>
+            <a:r>
+              <a:rPr dirty="0"/>
               <a:t>Preparation</a:t>
             </a:r>
           </a:p>
           <a:p>
             <a:r>
+              <a:rPr dirty="0"/>
               <a:t>Node.js Basic</a:t>
-            </a:r>
-          </a:p>
-          <a:p>
-            <a:r>
-              <a:t>REST API</a:t>
-            </a:r>
-          </a:p>
-          <a:p>
-            <a:r>
-              <a:t>Best Practice REST API</a:t>
             </a:r>
           </a:p>
         </p:txBody>
@@ -6219,7 +6370,7 @@
       </p:grpSpPr>
       <p:sp>
         <p:nvSpPr>
-          <p:cNvPr id="244" name="REST API"/>
+          <p:cNvPr id="200" name="Callback"/>
           <p:cNvSpPr txBox="1">
             <a:spLocks noGrp="1"/>
           </p:cNvSpPr>
@@ -6256,14 +6407,14 @@
           </a:lstStyle>
           <a:p>
             <a:r>
-              <a:t>REST API</a:t>
-            </a:r>
-          </a:p>
-        </p:txBody>
-      </p:sp>
-      <p:sp>
-        <p:nvSpPr>
-          <p:cNvPr id="245" name="Method GET"/>
+              <a:t>Callback</a:t>
+            </a:r>
+          </a:p>
+        </p:txBody>
+      </p:sp>
+      <p:sp>
+        <p:nvSpPr>
+          <p:cNvPr id="201" name="Slide Subtitle"/>
           <p:cNvSpPr txBox="1">
             <a:spLocks noGrp="1"/>
           </p:cNvSpPr>
@@ -6275,55 +6426,18 @@
           <a:prstGeom prst="rect">
             <a:avLst/>
           </a:prstGeom>
-          <a:extLst>
-            <a:ext uri="{C572A759-6A51-4108-AA02-DFA0A04FC94B}">
-              <ma14:wrappingTextBoxFlag xmlns:ma14="http://schemas.microsoft.com/office/mac/drawingml/2011/main" xmlns:a14="http://schemas.microsoft.com/office/drawing/2010/main" xmlns:m="http://schemas.openxmlformats.org/officeDocument/2006/math" xmlns="" val="1"/>
-            </a:ext>
-          </a:extLst>
         </p:spPr>
         <p:txBody>
           <a:bodyPr/>
           <a:lstStyle/>
           <a:p>
-            <a:pPr defTabSz="1560575">
-              <a:lnSpc>
-                <a:spcPct val="80000"/>
-              </a:lnSpc>
-              <a:defRPr sz="5376" spc="-107">
-                <a:gradFill flip="none" rotWithShape="1">
-                  <a:gsLst>
-                    <a:gs pos="0">
-                      <a:srgbClr val="FF00D8"/>
-                    </a:gs>
-                    <a:gs pos="100000">
-                      <a:srgbClr val="FFFD00"/>
-                    </a:gs>
-                  </a:gsLst>
-                  <a:lin ang="2700000" scaled="0"/>
-                </a:gradFill>
-                <a:latin typeface="+mn-lt"/>
-                <a:ea typeface="+mn-ea"/>
-                <a:cs typeface="+mn-cs"/>
-                <a:sym typeface="Graphik Semibold"/>
-              </a:defRPr>
-            </a:pPr>
-            <a:r>
-              <a:rPr>
-                <a:solidFill>
-                  <a:srgbClr val="D5D5D5"/>
-                </a:solidFill>
-              </a:rPr>
-              <a:t>Method</a:t>
-            </a:r>
-            <a:r>
-              <a:t> GET</a:t>
-            </a:r>
-          </a:p>
-        </p:txBody>
-      </p:sp>
-      <p:sp>
-        <p:nvSpPr>
-          <p:cNvPr id="246" name="/todo…"/>
+            <a:endParaRPr/>
+          </a:p>
+        </p:txBody>
+      </p:sp>
+      <p:sp>
+        <p:nvSpPr>
+          <p:cNvPr id="202" name="Accessible by another function.…"/>
           <p:cNvSpPr txBox="1">
             <a:spLocks noGrp="1"/>
           </p:cNvSpPr>
@@ -6341,21 +6455,65 @@
           <a:lstStyle/>
           <a:p>
             <a:r>
-              <a:t>/todo</a:t>
-            </a:r>
-          </a:p>
-          <a:p>
-            <a:r>
-              <a:t>/todo/1</a:t>
-            </a:r>
-          </a:p>
-          <a:p>
-            <a:r>
-              <a:t>/todo/findByStatus/?status=todo</a:t>
-            </a:r>
-          </a:p>
-        </p:txBody>
-      </p:sp>
+              <a:rPr dirty="0"/>
+              <a:t>Accessible by another function.</a:t>
+            </a:r>
+          </a:p>
+          <a:p>
+            <a:r>
+              <a:rPr dirty="0"/>
+              <a:t>It’s invoked after the first function if that first function complete.</a:t>
+            </a:r>
+          </a:p>
+          <a:p>
+            <a:r>
+              <a:rPr dirty="0"/>
+              <a:t>Gives you the ability to be able to continue working and not just sit still and wait until the blocking operations come back.</a:t>
+            </a:r>
+          </a:p>
+          <a:p>
+            <a:r>
+              <a:rPr dirty="0"/>
+              <a:t>It’s has new issue called `</a:t>
+            </a:r>
+            <a:r>
+              <a:rPr b="1" dirty="0"/>
+              <a:t>Callback Hell</a:t>
+            </a:r>
+            <a:r>
+              <a:rPr dirty="0"/>
+              <a:t>`.</a:t>
+            </a:r>
+          </a:p>
+        </p:txBody>
+      </p:sp>
+      <p:pic>
+        <p:nvPicPr>
+          <p:cNvPr id="203" name="pasted-movie.png" descr="pasted-movie.png"/>
+          <p:cNvPicPr>
+            <a:picLocks noChangeAspect="1"/>
+          </p:cNvPicPr>
+          <p:nvPr/>
+        </p:nvPicPr>
+        <p:blipFill>
+          <a:blip r:embed="rId2"/>
+          <a:stretch>
+            <a:fillRect/>
+          </a:stretch>
+        </p:blipFill>
+        <p:spPr>
+          <a:xfrm>
+            <a:off x="13686196" y="8668590"/>
+            <a:ext cx="10479199" cy="4010709"/>
+          </a:xfrm>
+          <a:prstGeom prst="rect">
+            <a:avLst/>
+          </a:prstGeom>
+          <a:ln w="12700">
+            <a:miter lim="400000"/>
+          </a:ln>
+        </p:spPr>
+      </p:pic>
     </p:spTree>
   </p:cSld>
   <p:clrMapOvr>
@@ -6384,51 +6542,7 @@
       </p:grpSpPr>
       <p:sp>
         <p:nvSpPr>
-          <p:cNvPr id="248" name="REST API"/>
-          <p:cNvSpPr txBox="1">
-            <a:spLocks noGrp="1"/>
-          </p:cNvSpPr>
-          <p:nvPr>
-            <p:ph type="title"/>
-          </p:nvPr>
-        </p:nvSpPr>
-        <p:spPr>
-          <a:prstGeom prst="rect">
-            <a:avLst/>
-          </a:prstGeom>
-        </p:spPr>
-        <p:txBody>
-          <a:bodyPr/>
-          <a:lstStyle>
-            <a:lvl1pPr defTabSz="1804370">
-              <a:lnSpc>
-                <a:spcPct val="90000"/>
-              </a:lnSpc>
-              <a:defRPr sz="8584" spc="-257">
-                <a:gradFill flip="none" rotWithShape="1">
-                  <a:gsLst>
-                    <a:gs pos="0">
-                      <a:srgbClr val="00E8FF"/>
-                    </a:gs>
-                    <a:gs pos="100000">
-                      <a:srgbClr val="FF00F7"/>
-                    </a:gs>
-                  </a:gsLst>
-                  <a:lin ang="3967761" scaled="0"/>
-                </a:gradFill>
-              </a:defRPr>
-            </a:lvl1pPr>
-          </a:lstStyle>
-          <a:p>
-            <a:r>
-              <a:t>REST API</a:t>
-            </a:r>
-          </a:p>
-        </p:txBody>
-      </p:sp>
-      <p:sp>
-        <p:nvSpPr>
-          <p:cNvPr id="249" name="Method POST"/>
+          <p:cNvPr id="205" name="Attribution"/>
           <p:cNvSpPr txBox="1">
             <a:spLocks noGrp="1"/>
           </p:cNvSpPr>
@@ -6440,60 +6554,23 @@
           <a:prstGeom prst="rect">
             <a:avLst/>
           </a:prstGeom>
-          <a:extLst>
-            <a:ext uri="{C572A759-6A51-4108-AA02-DFA0A04FC94B}">
-              <ma14:wrappingTextBoxFlag xmlns:ma14="http://schemas.microsoft.com/office/mac/drawingml/2011/main" xmlns:a14="http://schemas.microsoft.com/office/drawing/2010/main" xmlns:m="http://schemas.openxmlformats.org/officeDocument/2006/math" xmlns="" val="1"/>
-            </a:ext>
-          </a:extLst>
         </p:spPr>
         <p:txBody>
           <a:bodyPr/>
           <a:lstStyle/>
           <a:p>
-            <a:pPr defTabSz="1560575">
-              <a:lnSpc>
-                <a:spcPct val="80000"/>
-              </a:lnSpc>
-              <a:defRPr sz="5376" spc="-107">
-                <a:gradFill flip="none" rotWithShape="1">
-                  <a:gsLst>
-                    <a:gs pos="0">
-                      <a:srgbClr val="FF00D8"/>
-                    </a:gs>
-                    <a:gs pos="100000">
-                      <a:srgbClr val="FFFD00"/>
-                    </a:gs>
-                  </a:gsLst>
-                  <a:lin ang="2700000" scaled="0"/>
-                </a:gradFill>
-                <a:latin typeface="+mn-lt"/>
-                <a:ea typeface="+mn-ea"/>
-                <a:cs typeface="+mn-cs"/>
-                <a:sym typeface="Graphik Semibold"/>
-              </a:defRPr>
-            </a:pPr>
-            <a:r>
-              <a:rPr>
-                <a:solidFill>
-                  <a:srgbClr val="D5D5D5"/>
-                </a:solidFill>
-              </a:rPr>
-              <a:t>Method</a:t>
-            </a:r>
-            <a:r>
-              <a:t> POST</a:t>
-            </a:r>
-          </a:p>
-        </p:txBody>
-      </p:sp>
-      <p:sp>
-        <p:nvSpPr>
-          <p:cNvPr id="250" name="/todo…"/>
-          <p:cNvSpPr txBox="1">
-            <a:spLocks noGrp="1"/>
-          </p:cNvSpPr>
-          <p:nvPr>
-            <p:ph type="body" idx="1"/>
+            <a:endParaRPr/>
+          </a:p>
+        </p:txBody>
+      </p:sp>
+      <p:sp>
+        <p:nvSpPr>
+          <p:cNvPr id="206" name="&quot;I Promise a Result!&quot;"/>
+          <p:cNvSpPr txBox="1">
+            <a:spLocks noGrp="1"/>
+          </p:cNvSpPr>
+          <p:nvPr>
+            <p:ph type="body" sz="half" idx="1"/>
           </p:nvPr>
         </p:nvSpPr>
         <p:spPr>
@@ -6506,12 +6583,7 @@
           <a:lstStyle/>
           <a:p>
             <a:r>
-              <a:t>/todo</a:t>
-            </a:r>
-          </a:p>
-          <a:p>
-            <a:r>
-              <a:t>/todo/{id}/uploadImage</a:t>
+              <a:t>"I Promise a Result!"</a:t>
             </a:r>
           </a:p>
         </p:txBody>
@@ -6544,7 +6616,7 @@
       </p:grpSpPr>
       <p:sp>
         <p:nvSpPr>
-          <p:cNvPr id="252" name="REST API"/>
+          <p:cNvPr id="208" name="Promise"/>
           <p:cNvSpPr txBox="1">
             <a:spLocks noGrp="1"/>
           </p:cNvSpPr>
@@ -6581,14 +6653,15 @@
           </a:lstStyle>
           <a:p>
             <a:r>
-              <a:t>REST API</a:t>
-            </a:r>
-          </a:p>
-        </p:txBody>
-      </p:sp>
-      <p:sp>
-        <p:nvSpPr>
-          <p:cNvPr id="253" name="Method PATCH"/>
+              <a:rPr dirty="0"/>
+              <a:t>Promise</a:t>
+            </a:r>
+          </a:p>
+        </p:txBody>
+      </p:sp>
+      <p:sp>
+        <p:nvSpPr>
+          <p:cNvPr id="209" name="Slide Subtitle"/>
           <p:cNvSpPr txBox="1">
             <a:spLocks noGrp="1"/>
           </p:cNvSpPr>
@@ -6600,21 +6673,63 @@
           <a:prstGeom prst="rect">
             <a:avLst/>
           </a:prstGeom>
-          <a:extLst>
-            <a:ext uri="{C572A759-6A51-4108-AA02-DFA0A04FC94B}">
-              <ma14:wrappingTextBoxFlag xmlns:ma14="http://schemas.microsoft.com/office/mac/drawingml/2011/main" xmlns:a14="http://schemas.microsoft.com/office/drawing/2010/main" xmlns:m="http://schemas.openxmlformats.org/officeDocument/2006/math" xmlns="" val="1"/>
-            </a:ext>
-          </a:extLst>
         </p:spPr>
         <p:txBody>
           <a:bodyPr/>
           <a:lstStyle/>
           <a:p>
-            <a:pPr defTabSz="1560575">
-              <a:lnSpc>
-                <a:spcPct val="80000"/>
-              </a:lnSpc>
-              <a:defRPr sz="5376" spc="-107">
+            <a:endParaRPr/>
+          </a:p>
+        </p:txBody>
+      </p:sp>
+      <p:sp>
+        <p:nvSpPr>
+          <p:cNvPr id="210" name="New way to implement asynchronous function.…"/>
+          <p:cNvSpPr txBox="1">
+            <a:spLocks noGrp="1"/>
+          </p:cNvSpPr>
+          <p:nvPr>
+            <p:ph type="body" idx="1"/>
+          </p:nvPr>
+        </p:nvSpPr>
+        <p:spPr>
+          <a:prstGeom prst="rect">
+            <a:avLst/>
+          </a:prstGeom>
+        </p:spPr>
+        <p:txBody>
+          <a:bodyPr/>
+          <a:lstStyle/>
+          <a:p>
+            <a:r>
+              <a:rPr dirty="0"/>
+              <a:t>New way to implement </a:t>
+            </a:r>
+            <a:r>
+              <a:rPr b="1" u="sng" dirty="0"/>
+              <a:t>asynchronous</a:t>
+            </a:r>
+            <a:r>
+              <a:rPr dirty="0"/>
+              <a:t> function.</a:t>
+            </a:r>
+          </a:p>
+          <a:p>
+            <a:pPr>
+              <a:defRPr b="1"/>
+            </a:pPr>
+            <a:r>
+              <a:rPr dirty="0"/>
+              <a:t>Solved `Callback Hell` issue.</a:t>
+            </a:r>
+          </a:p>
+          <a:p>
+            <a:r>
+              <a:rPr dirty="0"/>
+              <a:t>There are </a:t>
+            </a:r>
+            <a:r>
+              <a:rPr b="1" dirty="0">
                 <a:gradFill flip="none" rotWithShape="1">
                   <a:gsLst>
                     <a:gs pos="0">
@@ -6626,47 +6741,111 @@
                   </a:gsLst>
                   <a:lin ang="2700000" scaled="0"/>
                 </a:gradFill>
-                <a:latin typeface="+mn-lt"/>
-                <a:ea typeface="+mn-ea"/>
-                <a:cs typeface="+mn-cs"/>
-                <a:sym typeface="Graphik Semibold"/>
+              </a:rPr>
+              <a:t>3</a:t>
+            </a:r>
+            <a:r>
+              <a:rPr dirty="0"/>
+              <a:t> states</a:t>
+            </a:r>
+          </a:p>
+          <a:p>
+            <a:pPr lvl="1">
+              <a:defRPr>
+                <a:gradFill flip="none" rotWithShape="1">
+                  <a:gsLst>
+                    <a:gs pos="0">
+                      <a:srgbClr val="FF00D8"/>
+                    </a:gs>
+                    <a:gs pos="100000">
+                      <a:srgbClr val="FFFD00"/>
+                    </a:gs>
+                  </a:gsLst>
+                  <a:lin ang="2700000" scaled="0"/>
+                </a:gradFill>
               </a:defRPr>
             </a:pPr>
             <a:r>
-              <a:rPr>
+              <a:rPr b="1" dirty="0"/>
+              <a:t>Pending</a:t>
+            </a:r>
+            <a:r>
+              <a:rPr dirty="0"/>
+              <a:t> </a:t>
+            </a:r>
+            <a:r>
+              <a:rPr dirty="0">
                 <a:solidFill>
-                  <a:srgbClr val="D5D5D5"/>
+                  <a:srgbClr val="FFFFFF"/>
                 </a:solidFill>
               </a:rPr>
-              <a:t>Method</a:t>
-            </a:r>
-            <a:r>
-              <a:t> PATCH</a:t>
-            </a:r>
-          </a:p>
-        </p:txBody>
-      </p:sp>
-      <p:sp>
-        <p:nvSpPr>
-          <p:cNvPr id="254" name="/todo/{id}"/>
-          <p:cNvSpPr txBox="1">
-            <a:spLocks noGrp="1"/>
-          </p:cNvSpPr>
-          <p:nvPr>
-            <p:ph type="body" idx="1"/>
-          </p:nvPr>
-        </p:nvSpPr>
-        <p:spPr>
-          <a:prstGeom prst="rect">
-            <a:avLst/>
-          </a:prstGeom>
-        </p:spPr>
-        <p:txBody>
-          <a:bodyPr/>
-          <a:lstStyle/>
-          <a:p>
-            <a:r>
-              <a:t>/todo/{id}</a:t>
+              <a:t>state</a:t>
+            </a:r>
+          </a:p>
+          <a:p>
+            <a:pPr lvl="1">
+              <a:defRPr>
+                <a:gradFill flip="none" rotWithShape="1">
+                  <a:gsLst>
+                    <a:gs pos="0">
+                      <a:srgbClr val="FF00D8"/>
+                    </a:gs>
+                    <a:gs pos="100000">
+                      <a:srgbClr val="FFFD00"/>
+                    </a:gs>
+                  </a:gsLst>
+                  <a:lin ang="2700000" scaled="0"/>
+                </a:gradFill>
+              </a:defRPr>
+            </a:pPr>
+            <a:r>
+              <a:rPr b="1" dirty="0"/>
+              <a:t>Resolved</a:t>
+            </a:r>
+            <a:r>
+              <a:rPr dirty="0"/>
+              <a:t> </a:t>
+            </a:r>
+            <a:r>
+              <a:rPr dirty="0">
+                <a:solidFill>
+                  <a:srgbClr val="FFFFFF"/>
+                </a:solidFill>
+              </a:rPr>
+              <a:t>state</a:t>
+            </a:r>
+          </a:p>
+          <a:p>
+            <a:pPr lvl="1">
+              <a:defRPr>
+                <a:gradFill flip="none" rotWithShape="1">
+                  <a:gsLst>
+                    <a:gs pos="0">
+                      <a:srgbClr val="FF00D8"/>
+                    </a:gs>
+                    <a:gs pos="100000">
+                      <a:srgbClr val="FFFD00"/>
+                    </a:gs>
+                  </a:gsLst>
+                  <a:lin ang="2700000" scaled="0"/>
+                </a:gradFill>
+              </a:defRPr>
+            </a:pPr>
+            <a:r>
+              <a:rPr b="1" dirty="0"/>
+              <a:t>Rejected</a:t>
+            </a:r>
+            <a:r>
+              <a:rPr dirty="0"/>
+              <a:t> </a:t>
+            </a:r>
+            <a:r>
+              <a:rPr dirty="0">
+                <a:solidFill>
+                  <a:srgbClr val="FFFFFF"/>
+                </a:solidFill>
+              </a:rPr>
+              <a:t>state</a:t>
             </a:r>
           </a:p>
         </p:txBody>
@@ -6699,12 +6878,35 @@
       </p:grpSpPr>
       <p:sp>
         <p:nvSpPr>
-          <p:cNvPr id="256" name="REST API"/>
-          <p:cNvSpPr txBox="1">
-            <a:spLocks noGrp="1"/>
-          </p:cNvSpPr>
-          <p:nvPr>
-            <p:ph type="title"/>
+          <p:cNvPr id="212" name="Attribution"/>
+          <p:cNvSpPr txBox="1">
+            <a:spLocks noGrp="1"/>
+          </p:cNvSpPr>
+          <p:nvPr>
+            <p:ph type="body" idx="21"/>
+          </p:nvPr>
+        </p:nvSpPr>
+        <p:spPr>
+          <a:prstGeom prst="rect">
+            <a:avLst/>
+          </a:prstGeom>
+        </p:spPr>
+        <p:txBody>
+          <a:bodyPr/>
+          <a:lstStyle/>
+          <a:p>
+            <a:endParaRPr/>
+          </a:p>
+        </p:txBody>
+      </p:sp>
+      <p:sp>
+        <p:nvSpPr>
+          <p:cNvPr id="213" name="&quot;async and await make promises easier to write&quot;"/>
+          <p:cNvSpPr txBox="1">
+            <a:spLocks noGrp="1"/>
+          </p:cNvSpPr>
+          <p:nvPr>
+            <p:ph type="body" sz="half" idx="1"/>
           </p:nvPr>
         </p:nvSpPr>
         <p:spPr>
@@ -6715,113 +6917,13 @@
         <p:txBody>
           <a:bodyPr/>
           <a:lstStyle>
-            <a:lvl1pPr defTabSz="1804370">
-              <a:lnSpc>
-                <a:spcPct val="90000"/>
-              </a:lnSpc>
-              <a:defRPr sz="8584" spc="-257">
-                <a:gradFill flip="none" rotWithShape="1">
-                  <a:gsLst>
-                    <a:gs pos="0">
-                      <a:srgbClr val="00E8FF"/>
-                    </a:gs>
-                    <a:gs pos="100000">
-                      <a:srgbClr val="FF00F7"/>
-                    </a:gs>
-                  </a:gsLst>
-                  <a:lin ang="3967761" scaled="0"/>
-                </a:gradFill>
-              </a:defRPr>
+            <a:lvl1pPr>
+              <a:defRPr sz="7700" spc="-154"/>
             </a:lvl1pPr>
           </a:lstStyle>
           <a:p>
             <a:r>
-              <a:t>REST API</a:t>
-            </a:r>
-          </a:p>
-        </p:txBody>
-      </p:sp>
-      <p:sp>
-        <p:nvSpPr>
-          <p:cNvPr id="257" name="Method PUT"/>
-          <p:cNvSpPr txBox="1">
-            <a:spLocks noGrp="1"/>
-          </p:cNvSpPr>
-          <p:nvPr>
-            <p:ph type="body" idx="21"/>
-          </p:nvPr>
-        </p:nvSpPr>
-        <p:spPr>
-          <a:prstGeom prst="rect">
-            <a:avLst/>
-          </a:prstGeom>
-          <a:extLst>
-            <a:ext uri="{C572A759-6A51-4108-AA02-DFA0A04FC94B}">
-              <ma14:wrappingTextBoxFlag xmlns:ma14="http://schemas.microsoft.com/office/mac/drawingml/2011/main" xmlns:a14="http://schemas.microsoft.com/office/drawing/2010/main" xmlns:m="http://schemas.openxmlformats.org/officeDocument/2006/math" xmlns="" val="1"/>
-            </a:ext>
-          </a:extLst>
-        </p:spPr>
-        <p:txBody>
-          <a:bodyPr/>
-          <a:lstStyle/>
-          <a:p>
-            <a:pPr defTabSz="1560575">
-              <a:lnSpc>
-                <a:spcPct val="80000"/>
-              </a:lnSpc>
-              <a:defRPr sz="5376" spc="-107">
-                <a:gradFill flip="none" rotWithShape="1">
-                  <a:gsLst>
-                    <a:gs pos="0">
-                      <a:srgbClr val="FF00D8"/>
-                    </a:gs>
-                    <a:gs pos="100000">
-                      <a:srgbClr val="FFFD00"/>
-                    </a:gs>
-                  </a:gsLst>
-                  <a:lin ang="2700000" scaled="0"/>
-                </a:gradFill>
-                <a:latin typeface="+mn-lt"/>
-                <a:ea typeface="+mn-ea"/>
-                <a:cs typeface="+mn-cs"/>
-                <a:sym typeface="Graphik Semibold"/>
-              </a:defRPr>
-            </a:pPr>
-            <a:r>
-              <a:rPr>
-                <a:solidFill>
-                  <a:srgbClr val="D5D5D5"/>
-                </a:solidFill>
-              </a:rPr>
-              <a:t>Method</a:t>
-            </a:r>
-            <a:r>
-              <a:t> PUT</a:t>
-            </a:r>
-          </a:p>
-        </p:txBody>
-      </p:sp>
-      <p:sp>
-        <p:nvSpPr>
-          <p:cNvPr id="258" name="/todo/{id}"/>
-          <p:cNvSpPr txBox="1">
-            <a:spLocks noGrp="1"/>
-          </p:cNvSpPr>
-          <p:nvPr>
-            <p:ph type="body" idx="1"/>
-          </p:nvPr>
-        </p:nvSpPr>
-        <p:spPr>
-          <a:prstGeom prst="rect">
-            <a:avLst/>
-          </a:prstGeom>
-        </p:spPr>
-        <p:txBody>
-          <a:bodyPr/>
-          <a:lstStyle/>
-          <a:p>
-            <a:r>
-              <a:t>/todo/{id}</a:t>
+              <a:t>"async and await make promises easier to write"</a:t>
             </a:r>
           </a:p>
         </p:txBody>
@@ -6854,7 +6956,7 @@
       </p:grpSpPr>
       <p:sp>
         <p:nvSpPr>
-          <p:cNvPr id="260" name="REST API"/>
+          <p:cNvPr id="215" name="Async Await"/>
           <p:cNvSpPr txBox="1">
             <a:spLocks noGrp="1"/>
           </p:cNvSpPr>
@@ -6870,11 +6972,11 @@
         <p:txBody>
           <a:bodyPr/>
           <a:lstStyle>
-            <a:lvl1pPr defTabSz="1804370">
+            <a:lvl1pPr defTabSz="1828754">
               <a:lnSpc>
                 <a:spcPct val="90000"/>
               </a:lnSpc>
-              <a:defRPr sz="8584" spc="-257">
+              <a:defRPr sz="8625" spc="-258">
                 <a:gradFill flip="none" rotWithShape="1">
                   <a:gsLst>
                     <a:gs pos="0">
@@ -6891,14 +6993,14 @@
           </a:lstStyle>
           <a:p>
             <a:r>
-              <a:t>REST API</a:t>
-            </a:r>
-          </a:p>
-        </p:txBody>
-      </p:sp>
-      <p:sp>
-        <p:nvSpPr>
-          <p:cNvPr id="261" name="Method DELETE"/>
+              <a:t>Async Await</a:t>
+            </a:r>
+          </a:p>
+        </p:txBody>
+      </p:sp>
+      <p:sp>
+        <p:nvSpPr>
+          <p:cNvPr id="216" name="Slide Subtitle"/>
           <p:cNvSpPr txBox="1">
             <a:spLocks noGrp="1"/>
           </p:cNvSpPr>
@@ -6910,55 +7012,18 @@
           <a:prstGeom prst="rect">
             <a:avLst/>
           </a:prstGeom>
-          <a:extLst>
-            <a:ext uri="{C572A759-6A51-4108-AA02-DFA0A04FC94B}">
-              <ma14:wrappingTextBoxFlag xmlns:ma14="http://schemas.microsoft.com/office/mac/drawingml/2011/main" xmlns:a14="http://schemas.microsoft.com/office/drawing/2010/main" xmlns:m="http://schemas.openxmlformats.org/officeDocument/2006/math" xmlns="" val="1"/>
-            </a:ext>
-          </a:extLst>
         </p:spPr>
         <p:txBody>
           <a:bodyPr/>
           <a:lstStyle/>
           <a:p>
-            <a:pPr defTabSz="1560575">
-              <a:lnSpc>
-                <a:spcPct val="80000"/>
-              </a:lnSpc>
-              <a:defRPr sz="5376" spc="-107">
-                <a:gradFill flip="none" rotWithShape="1">
-                  <a:gsLst>
-                    <a:gs pos="0">
-                      <a:srgbClr val="FF00D8"/>
-                    </a:gs>
-                    <a:gs pos="100000">
-                      <a:srgbClr val="FFFD00"/>
-                    </a:gs>
-                  </a:gsLst>
-                  <a:lin ang="2700000" scaled="0"/>
-                </a:gradFill>
-                <a:latin typeface="+mn-lt"/>
-                <a:ea typeface="+mn-ea"/>
-                <a:cs typeface="+mn-cs"/>
-                <a:sym typeface="Graphik Semibold"/>
-              </a:defRPr>
-            </a:pPr>
-            <a:r>
-              <a:rPr>
-                <a:solidFill>
-                  <a:srgbClr val="D5D5D5"/>
-                </a:solidFill>
-              </a:rPr>
-              <a:t>Method</a:t>
-            </a:r>
-            <a:r>
-              <a:t> DELETE</a:t>
-            </a:r>
-          </a:p>
-        </p:txBody>
-      </p:sp>
-      <p:sp>
-        <p:nvSpPr>
-          <p:cNvPr id="262" name="/todo/{id}"/>
+            <a:endParaRPr/>
+          </a:p>
+        </p:txBody>
+      </p:sp>
+      <p:sp>
+        <p:nvSpPr>
+          <p:cNvPr id="217" name="It’s same as Promise…"/>
           <p:cNvSpPr txBox="1">
             <a:spLocks noGrp="1"/>
           </p:cNvSpPr>
@@ -6976,7 +7041,16 @@
           <a:lstStyle/>
           <a:p>
             <a:r>
-              <a:t>/todo/{id}</a:t>
+              <a:t> It’s same as </a:t>
+            </a:r>
+            <a:r>
+              <a:rPr b="1"/>
+              <a:t>Promise</a:t>
+            </a:r>
+          </a:p>
+          <a:p>
+            <a:r>
+              <a:t>Make code much simpler to read</a:t>
             </a:r>
           </a:p>
         </p:txBody>
@@ -7009,7 +7083,7 @@
       </p:grpSpPr>
       <p:sp>
         <p:nvSpPr>
-          <p:cNvPr id="264" name="Expressjs"/>
+          <p:cNvPr id="221" name="Events and Event Emitter"/>
           <p:cNvSpPr txBox="1">
             <a:spLocks noGrp="1"/>
           </p:cNvSpPr>
@@ -7025,25 +7099,28 @@
         <p:txBody>
           <a:bodyPr/>
           <a:lstStyle>
-            <a:lvl1pPr defTabSz="2438338">
-              <a:defRPr>
+            <a:lvl1pPr defTabSz="2438400">
+              <a:lnSpc>
+                <a:spcPct val="80000"/>
+              </a:lnSpc>
+              <a:defRPr sz="8400" spc="-168">
                 <a:gradFill flip="none" rotWithShape="1">
                   <a:gsLst>
                     <a:gs pos="0">
-                      <a:srgbClr val="00E8FF"/>
+                      <a:srgbClr val="FF00D8"/>
                     </a:gs>
                     <a:gs pos="100000">
-                      <a:srgbClr val="FF00F7"/>
+                      <a:srgbClr val="FFFD00"/>
                     </a:gs>
                   </a:gsLst>
-                  <a:lin ang="3967761" scaled="0"/>
+                  <a:lin ang="2700000" scaled="0"/>
                 </a:gradFill>
               </a:defRPr>
             </a:lvl1pPr>
           </a:lstStyle>
           <a:p>
             <a:r>
-              <a:t>Expressjs</a:t>
+              <a:t>Events and Event Emitter</a:t>
             </a:r>
           </a:p>
         </p:txBody>
@@ -7074,9 +7151,36 @@
           <a:chExt cx="0" cy="0"/>
         </a:xfrm>
       </p:grpSpPr>
-      <p:sp>
-        <p:nvSpPr>
-          <p:cNvPr id="266" name="Setup Expressjs"/>
+      <p:pic>
+        <p:nvPicPr>
+          <p:cNvPr id="223" name="Northern Lights display over a snowy mountain landscape" descr="Northern Lights display over a snowy mountain landscape"/>
+          <p:cNvPicPr>
+            <a:picLocks noGrp="1" noChangeAspect="1"/>
+          </p:cNvPicPr>
+          <p:nvPr>
+            <p:ph type="pic" idx="21"/>
+          </p:nvPr>
+        </p:nvPicPr>
+        <p:blipFill>
+          <a:blip r:embed="rId2"/>
+          <a:srcRect t="12465" b="12465"/>
+          <a:stretch>
+            <a:fillRect/>
+          </a:stretch>
+        </p:blipFill>
+        <p:spPr>
+          <a:xfrm>
+            <a:off x="12204700" y="0"/>
+            <a:ext cx="12192000" cy="13716000"/>
+          </a:xfrm>
+          <a:prstGeom prst="rect">
+            <a:avLst/>
+          </a:prstGeom>
+        </p:spPr>
+      </p:pic>
+      <p:sp>
+        <p:nvSpPr>
+          <p:cNvPr id="224" name="Event Emitter"/>
           <p:cNvSpPr txBox="1">
             <a:spLocks noGrp="1"/>
           </p:cNvSpPr>
@@ -7091,11 +7195,80 @@
         </p:spPr>
         <p:txBody>
           <a:bodyPr/>
+          <a:lstStyle>
+            <a:lvl1pPr defTabSz="2438400">
+              <a:defRPr spc="-168">
+                <a:gradFill flip="none" rotWithShape="1">
+                  <a:gsLst>
+                    <a:gs pos="0">
+                      <a:srgbClr val="FF00D8"/>
+                    </a:gs>
+                    <a:gs pos="100000">
+                      <a:srgbClr val="FFFD00"/>
+                    </a:gs>
+                  </a:gsLst>
+                  <a:lin ang="2700000" scaled="0"/>
+                </a:gradFill>
+              </a:defRPr>
+            </a:lvl1pPr>
+          </a:lstStyle>
+          <a:p>
+            <a:r>
+              <a:t>Event Emitter</a:t>
+            </a:r>
+          </a:p>
+        </p:txBody>
+      </p:sp>
+      <p:sp>
+        <p:nvSpPr>
+          <p:cNvPr id="225" name="Publish data through event name…"/>
+          <p:cNvSpPr txBox="1">
+            <a:spLocks noGrp="1"/>
+          </p:cNvSpPr>
+          <p:nvPr>
+            <p:ph type="body" sz="half" idx="1"/>
+          </p:nvPr>
+        </p:nvSpPr>
+        <p:spPr>
+          <a:prstGeom prst="rect">
+            <a:avLst/>
+          </a:prstGeom>
+        </p:spPr>
+        <p:txBody>
+          <a:bodyPr/>
           <a:lstStyle/>
           <a:p>
             <a:r>
-              <a:t>Setup Expressjs</a:t>
-            </a:r>
+              <a:t>Publish data through event name</a:t>
+            </a:r>
+          </a:p>
+          <a:p>
+            <a:r>
+              <a:t>Subscribe data through event handler and event name</a:t>
+            </a:r>
+          </a:p>
+        </p:txBody>
+      </p:sp>
+      <p:sp>
+        <p:nvSpPr>
+          <p:cNvPr id="226" name="Slide Subtitle"/>
+          <p:cNvSpPr txBox="1">
+            <a:spLocks noGrp="1"/>
+          </p:cNvSpPr>
+          <p:nvPr>
+            <p:ph type="body" idx="22"/>
+          </p:nvPr>
+        </p:nvSpPr>
+        <p:spPr>
+          <a:prstGeom prst="rect">
+            <a:avLst/>
+          </a:prstGeom>
+        </p:spPr>
+        <p:txBody>
+          <a:bodyPr/>
+          <a:lstStyle/>
+          <a:p>
+            <a:endParaRPr/>
           </a:p>
         </p:txBody>
       </p:sp>
@@ -7127,38 +7300,46 @@
       </p:grpSpPr>
       <p:sp>
         <p:nvSpPr>
-          <p:cNvPr id="2" name="Title 1">
-            <a:extLst>
-              <a:ext uri="{FF2B5EF4-FFF2-40B4-BE49-F238E27FC236}">
-                <a16:creationId xmlns:a16="http://schemas.microsoft.com/office/drawing/2014/main" id="{5DE93B72-2AE3-3405-FBCE-55F79853A97C}"/>
-              </a:ext>
-            </a:extLst>
-          </p:cNvPr>
-          <p:cNvSpPr>
+          <p:cNvPr id="264" name="Expressjs"/>
+          <p:cNvSpPr txBox="1">
             <a:spLocks noGrp="1"/>
           </p:cNvSpPr>
           <p:nvPr>
             <p:ph type="title"/>
           </p:nvPr>
         </p:nvSpPr>
-        <p:spPr/>
-        <p:txBody>
-          <a:bodyPr/>
-          <a:lstStyle/>
-          <a:p>
-            <a:r>
-              <a:rPr lang="en-US" dirty="0"/>
-              <a:t>Workshop</a:t>
+        <p:spPr>
+          <a:prstGeom prst="rect">
+            <a:avLst/>
+          </a:prstGeom>
+        </p:spPr>
+        <p:txBody>
+          <a:bodyPr/>
+          <a:lstStyle>
+            <a:lvl1pPr defTabSz="2438338">
+              <a:defRPr>
+                <a:gradFill flip="none" rotWithShape="1">
+                  <a:gsLst>
+                    <a:gs pos="0">
+                      <a:srgbClr val="00E8FF"/>
+                    </a:gs>
+                    <a:gs pos="100000">
+                      <a:srgbClr val="FF00F7"/>
+                    </a:gs>
+                  </a:gsLst>
+                  <a:lin ang="3967761" scaled="0"/>
+                </a:gradFill>
+              </a:defRPr>
+            </a:lvl1pPr>
+          </a:lstStyle>
+          <a:p>
+            <a:r>
+              <a:t>Expressjs</a:t>
             </a:r>
           </a:p>
         </p:txBody>
       </p:sp>
     </p:spTree>
-    <p:extLst>
-      <p:ext uri="{BB962C8B-B14F-4D97-AF65-F5344CB8AC3E}">
-        <p14:creationId xmlns:p14="http://schemas.microsoft.com/office/powerpoint/2010/main" val="3993855740"/>
-      </p:ext>
-    </p:extLst>
   </p:cSld>
   <p:clrMapOvr>
     <a:masterClrMapping/>
@@ -7186,7 +7367,7 @@
       </p:grpSpPr>
       <p:sp>
         <p:nvSpPr>
-          <p:cNvPr id="244" name="REST API"/>
+          <p:cNvPr id="266" name="Setup Expressjs"/>
           <p:cNvSpPr txBox="1">
             <a:spLocks noGrp="1"/>
           </p:cNvSpPr>
@@ -7201,134 +7382,15 @@
         </p:spPr>
         <p:txBody>
           <a:bodyPr/>
-          <a:lstStyle>
-            <a:lvl1pPr defTabSz="1804370">
-              <a:lnSpc>
-                <a:spcPct val="90000"/>
-              </a:lnSpc>
-              <a:defRPr sz="8584" spc="-257">
-                <a:gradFill flip="none" rotWithShape="1">
-                  <a:gsLst>
-                    <a:gs pos="0">
-                      <a:srgbClr val="00E8FF"/>
-                    </a:gs>
-                    <a:gs pos="100000">
-                      <a:srgbClr val="FF00F7"/>
-                    </a:gs>
-                  </a:gsLst>
-                  <a:lin ang="3967761" scaled="0"/>
-                </a:gradFill>
-              </a:defRPr>
-            </a:lvl1pPr>
-          </a:lstStyle>
-          <a:p>
-            <a:r>
-              <a:t>REST API</a:t>
-            </a:r>
-          </a:p>
-        </p:txBody>
-      </p:sp>
-      <p:sp>
-        <p:nvSpPr>
-          <p:cNvPr id="245" name="Method GET"/>
-          <p:cNvSpPr txBox="1">
-            <a:spLocks noGrp="1"/>
-          </p:cNvSpPr>
-          <p:nvPr>
-            <p:ph type="body" idx="21"/>
-          </p:nvPr>
-        </p:nvSpPr>
-        <p:spPr>
-          <a:prstGeom prst="rect">
-            <a:avLst/>
-          </a:prstGeom>
-          <a:extLst>
-            <a:ext uri="{C572A759-6A51-4108-AA02-DFA0A04FC94B}">
-              <ma14:wrappingTextBoxFlag xmlns:ma14="http://schemas.microsoft.com/office/mac/drawingml/2011/main" xmlns:a14="http://schemas.microsoft.com/office/drawing/2010/main" xmlns:m="http://schemas.openxmlformats.org/officeDocument/2006/math" xmlns="" val="1"/>
-            </a:ext>
-          </a:extLst>
-        </p:spPr>
-        <p:txBody>
-          <a:bodyPr/>
           <a:lstStyle/>
           <a:p>
-            <a:pPr defTabSz="1560575">
-              <a:lnSpc>
-                <a:spcPct val="80000"/>
-              </a:lnSpc>
-              <a:defRPr sz="5376" spc="-107">
-                <a:gradFill flip="none" rotWithShape="1">
-                  <a:gsLst>
-                    <a:gs pos="0">
-                      <a:srgbClr val="FF00D8"/>
-                    </a:gs>
-                    <a:gs pos="100000">
-                      <a:srgbClr val="FFFD00"/>
-                    </a:gs>
-                  </a:gsLst>
-                  <a:lin ang="2700000" scaled="0"/>
-                </a:gradFill>
-                <a:latin typeface="+mn-lt"/>
-                <a:ea typeface="+mn-ea"/>
-                <a:cs typeface="+mn-cs"/>
-                <a:sym typeface="Graphik Semibold"/>
-              </a:defRPr>
-            </a:pPr>
-            <a:r>
-              <a:rPr>
-                <a:solidFill>
-                  <a:srgbClr val="D5D5D5"/>
-                </a:solidFill>
-              </a:rPr>
-              <a:t>Method</a:t>
-            </a:r>
-            <a:r>
-              <a:t> GET</a:t>
-            </a:r>
-          </a:p>
-        </p:txBody>
-      </p:sp>
-      <p:sp>
-        <p:nvSpPr>
-          <p:cNvPr id="246" name="/todo…"/>
-          <p:cNvSpPr txBox="1">
-            <a:spLocks noGrp="1"/>
-          </p:cNvSpPr>
-          <p:nvPr>
-            <p:ph type="body" idx="1"/>
-          </p:nvPr>
-        </p:nvSpPr>
-        <p:spPr>
-          <a:prstGeom prst="rect">
-            <a:avLst/>
-          </a:prstGeom>
-        </p:spPr>
-        <p:txBody>
-          <a:bodyPr/>
-          <a:lstStyle/>
-          <a:p>
-            <a:r>
-              <a:t>/todo</a:t>
-            </a:r>
-          </a:p>
-          <a:p>
-            <a:r>
-              <a:t>/todo/1</a:t>
-            </a:r>
-          </a:p>
-          <a:p>
-            <a:r>
-              <a:t>/todo/findByStatus/?status=todo</a:t>
+            <a:r>
+              <a:t>Setup Expressjs</a:t>
             </a:r>
           </a:p>
         </p:txBody>
       </p:sp>
     </p:spTree>
-    <p:extLst>
-      <p:ext uri="{BB962C8B-B14F-4D97-AF65-F5344CB8AC3E}">
-        <p14:creationId xmlns:p14="http://schemas.microsoft.com/office/powerpoint/2010/main" val="2048686732"/>
-      </p:ext>
-    </p:extLst>
   </p:cSld>
   <p:clrMapOvr>
     <a:masterClrMapping/>
@@ -7356,134 +7418,28 @@
       </p:grpSpPr>
       <p:sp>
         <p:nvSpPr>
-          <p:cNvPr id="248" name="REST API"/>
-          <p:cNvSpPr txBox="1">
+          <p:cNvPr id="2" name="Title 1">
+            <a:extLst>
+              <a:ext uri="{FF2B5EF4-FFF2-40B4-BE49-F238E27FC236}">
+                <a16:creationId xmlns:a16="http://schemas.microsoft.com/office/drawing/2014/main" id="{5DE93B72-2AE3-3405-FBCE-55F79853A97C}"/>
+              </a:ext>
+            </a:extLst>
+          </p:cNvPr>
+          <p:cNvSpPr>
             <a:spLocks noGrp="1"/>
           </p:cNvSpPr>
           <p:nvPr>
             <p:ph type="title"/>
           </p:nvPr>
         </p:nvSpPr>
-        <p:spPr>
-          <a:prstGeom prst="rect">
-            <a:avLst/>
-          </a:prstGeom>
-        </p:spPr>
-        <p:txBody>
-          <a:bodyPr/>
-          <a:lstStyle>
-            <a:lvl1pPr defTabSz="1804370">
-              <a:lnSpc>
-                <a:spcPct val="90000"/>
-              </a:lnSpc>
-              <a:defRPr sz="8584" spc="-257">
-                <a:gradFill flip="none" rotWithShape="1">
-                  <a:gsLst>
-                    <a:gs pos="0">
-                      <a:srgbClr val="00E8FF"/>
-                    </a:gs>
-                    <a:gs pos="100000">
-                      <a:srgbClr val="FF00F7"/>
-                    </a:gs>
-                  </a:gsLst>
-                  <a:lin ang="3967761" scaled="0"/>
-                </a:gradFill>
-              </a:defRPr>
-            </a:lvl1pPr>
-          </a:lstStyle>
-          <a:p>
-            <a:r>
-              <a:t>REST API</a:t>
-            </a:r>
-          </a:p>
-        </p:txBody>
-      </p:sp>
-      <p:sp>
-        <p:nvSpPr>
-          <p:cNvPr id="249" name="Method POST"/>
-          <p:cNvSpPr txBox="1">
-            <a:spLocks noGrp="1"/>
-          </p:cNvSpPr>
-          <p:nvPr>
-            <p:ph type="body" idx="21"/>
-          </p:nvPr>
-        </p:nvSpPr>
-        <p:spPr>
-          <a:prstGeom prst="rect">
-            <a:avLst/>
-          </a:prstGeom>
-          <a:extLst>
-            <a:ext uri="{C572A759-6A51-4108-AA02-DFA0A04FC94B}">
-              <ma14:wrappingTextBoxFlag xmlns:ma14="http://schemas.microsoft.com/office/mac/drawingml/2011/main" xmlns:a14="http://schemas.microsoft.com/office/drawing/2010/main" xmlns:m="http://schemas.openxmlformats.org/officeDocument/2006/math" xmlns="" val="1"/>
-            </a:ext>
-          </a:extLst>
-        </p:spPr>
+        <p:spPr/>
         <p:txBody>
           <a:bodyPr/>
           <a:lstStyle/>
           <a:p>
-            <a:pPr defTabSz="1560575">
-              <a:lnSpc>
-                <a:spcPct val="80000"/>
-              </a:lnSpc>
-              <a:defRPr sz="5376" spc="-107">
-                <a:gradFill flip="none" rotWithShape="1">
-                  <a:gsLst>
-                    <a:gs pos="0">
-                      <a:srgbClr val="FF00D8"/>
-                    </a:gs>
-                    <a:gs pos="100000">
-                      <a:srgbClr val="FFFD00"/>
-                    </a:gs>
-                  </a:gsLst>
-                  <a:lin ang="2700000" scaled="0"/>
-                </a:gradFill>
-                <a:latin typeface="+mn-lt"/>
-                <a:ea typeface="+mn-ea"/>
-                <a:cs typeface="+mn-cs"/>
-                <a:sym typeface="Graphik Semibold"/>
-              </a:defRPr>
-            </a:pPr>
-            <a:r>
-              <a:rPr>
-                <a:solidFill>
-                  <a:srgbClr val="D5D5D5"/>
-                </a:solidFill>
-              </a:rPr>
-              <a:t>Method</a:t>
-            </a:r>
-            <a:r>
-              <a:t> POST</a:t>
-            </a:r>
-          </a:p>
-        </p:txBody>
-      </p:sp>
-      <p:sp>
-        <p:nvSpPr>
-          <p:cNvPr id="250" name="/todo…"/>
-          <p:cNvSpPr txBox="1">
-            <a:spLocks noGrp="1"/>
-          </p:cNvSpPr>
-          <p:nvPr>
-            <p:ph type="body" idx="1"/>
-          </p:nvPr>
-        </p:nvSpPr>
-        <p:spPr>
-          <a:prstGeom prst="rect">
-            <a:avLst/>
-          </a:prstGeom>
-        </p:spPr>
-        <p:txBody>
-          <a:bodyPr/>
-          <a:lstStyle/>
-          <a:p>
-            <a:r>
-              <a:t>/todo</a:t>
-            </a:r>
-          </a:p>
-          <a:p>
-            <a:r>
-              <a:t>/todo/{id}/uploadImage</a:t>
+            <a:r>
+              <a:rPr lang="en-US" dirty="0"/>
+              <a:t>Workshop</a:t>
             </a:r>
           </a:p>
         </p:txBody>
@@ -7491,7 +7447,7 @@
     </p:spTree>
     <p:extLst>
       <p:ext uri="{BB962C8B-B14F-4D97-AF65-F5344CB8AC3E}">
-        <p14:creationId xmlns:p14="http://schemas.microsoft.com/office/powerpoint/2010/main" val="634257428"/>
+        <p14:creationId xmlns:p14="http://schemas.microsoft.com/office/powerpoint/2010/main" val="3993855740"/>
       </p:ext>
     </p:extLst>
   </p:cSld>
@@ -7521,7 +7477,7 @@
       </p:grpSpPr>
       <p:sp>
         <p:nvSpPr>
-          <p:cNvPr id="180" name="Preparation"/>
+          <p:cNvPr id="230" name="API"/>
           <p:cNvSpPr txBox="1">
             <a:spLocks noGrp="1"/>
           </p:cNvSpPr>
@@ -7536,15 +7492,113 @@
         </p:spPr>
         <p:txBody>
           <a:bodyPr/>
+          <a:lstStyle>
+            <a:lvl1pPr defTabSz="1804370">
+              <a:lnSpc>
+                <a:spcPct val="90000"/>
+              </a:lnSpc>
+              <a:defRPr sz="8584" spc="-257">
+                <a:gradFill flip="none" rotWithShape="1">
+                  <a:gsLst>
+                    <a:gs pos="0">
+                      <a:srgbClr val="00E8FF"/>
+                    </a:gs>
+                    <a:gs pos="100000">
+                      <a:srgbClr val="FF00F7"/>
+                    </a:gs>
+                  </a:gsLst>
+                  <a:lin ang="3967761" scaled="0"/>
+                </a:gradFill>
+              </a:defRPr>
+            </a:lvl1pPr>
+          </a:lstStyle>
+          <a:p>
+            <a:r>
+              <a:t>API</a:t>
+            </a:r>
+          </a:p>
+        </p:txBody>
+      </p:sp>
+      <p:sp>
+        <p:nvSpPr>
+          <p:cNvPr id="231" name="Application Programming Interface"/>
+          <p:cNvSpPr txBox="1">
+            <a:spLocks noGrp="1"/>
+          </p:cNvSpPr>
+          <p:nvPr>
+            <p:ph type="body" idx="21"/>
+          </p:nvPr>
+        </p:nvSpPr>
+        <p:spPr>
+          <a:prstGeom prst="rect">
+            <a:avLst/>
+          </a:prstGeom>
+          <a:extLst>
+            <a:ext uri="{C572A759-6A51-4108-AA02-DFA0A04FC94B}">
+              <ma14:wrappingTextBoxFlag xmlns="" xmlns:m="http://schemas.openxmlformats.org/officeDocument/2006/math" xmlns:a14="http://schemas.microsoft.com/office/drawing/2010/main" xmlns:ma14="http://schemas.microsoft.com/office/mac/drawingml/2011/main" val="1"/>
+            </a:ext>
+          </a:extLst>
+        </p:spPr>
+        <p:txBody>
+          <a:bodyPr/>
           <a:lstStyle/>
           <a:p>
             <a:r>
-              <a:rPr dirty="0"/>
-              <a:t>Preparation</a:t>
-            </a:r>
-          </a:p>
-        </p:txBody>
-      </p:sp>
+              <a:t>Application Programming Interface </a:t>
+            </a:r>
+          </a:p>
+        </p:txBody>
+      </p:sp>
+      <p:sp>
+        <p:nvSpPr>
+          <p:cNvPr id="232" name="Slide bullet text"/>
+          <p:cNvSpPr txBox="1">
+            <a:spLocks noGrp="1"/>
+          </p:cNvSpPr>
+          <p:nvPr>
+            <p:ph type="body" idx="1"/>
+          </p:nvPr>
+        </p:nvSpPr>
+        <p:spPr>
+          <a:prstGeom prst="rect">
+            <a:avLst/>
+          </a:prstGeom>
+        </p:spPr>
+        <p:txBody>
+          <a:bodyPr/>
+          <a:lstStyle/>
+          <a:p>
+            <a:endParaRPr dirty="0"/>
+          </a:p>
+        </p:txBody>
+      </p:sp>
+      <p:pic>
+        <p:nvPicPr>
+          <p:cNvPr id="233" name="pasted-movie.png" descr="pasted-movie.png"/>
+          <p:cNvPicPr>
+            <a:picLocks noChangeAspect="1"/>
+          </p:cNvPicPr>
+          <p:nvPr/>
+        </p:nvPicPr>
+        <p:blipFill>
+          <a:blip r:embed="rId2"/>
+          <a:stretch>
+            <a:fillRect/>
+          </a:stretch>
+        </p:blipFill>
+        <p:spPr>
+          <a:xfrm>
+            <a:off x="5093896" y="3438654"/>
+            <a:ext cx="14196208" cy="9640832"/>
+          </a:xfrm>
+          <a:prstGeom prst="rect">
+            <a:avLst/>
+          </a:prstGeom>
+          <a:ln w="12700">
+            <a:miter lim="400000"/>
+          </a:ln>
+        </p:spPr>
+      </p:pic>
     </p:spTree>
   </p:cSld>
   <p:clrMapOvr>
@@ -7573,7 +7627,7 @@
       </p:grpSpPr>
       <p:sp>
         <p:nvSpPr>
-          <p:cNvPr id="252" name="REST API"/>
+          <p:cNvPr id="244" name="REST API"/>
           <p:cNvSpPr txBox="1">
             <a:spLocks noGrp="1"/>
           </p:cNvSpPr>
@@ -7617,7 +7671,7 @@
       </p:sp>
       <p:sp>
         <p:nvSpPr>
-          <p:cNvPr id="253" name="Method PATCH"/>
+          <p:cNvPr id="245" name="Method GET"/>
           <p:cNvSpPr txBox="1">
             <a:spLocks noGrp="1"/>
           </p:cNvSpPr>
@@ -7631,7 +7685,7 @@
           </a:prstGeom>
           <a:extLst>
             <a:ext uri="{C572A759-6A51-4108-AA02-DFA0A04FC94B}">
-              <ma14:wrappingTextBoxFlag xmlns:ma14="http://schemas.microsoft.com/office/mac/drawingml/2011/main" xmlns:a14="http://schemas.microsoft.com/office/drawing/2010/main" xmlns:m="http://schemas.openxmlformats.org/officeDocument/2006/math" xmlns="" val="1"/>
+              <ma14:wrappingTextBoxFlag xmlns="" xmlns:m="http://schemas.openxmlformats.org/officeDocument/2006/math" xmlns:a14="http://schemas.microsoft.com/office/drawing/2010/main" xmlns:ma14="http://schemas.microsoft.com/office/mac/drawingml/2011/main" val="1"/>
             </a:ext>
           </a:extLst>
         </p:spPr>
@@ -7670,14 +7724,14 @@
               <a:t>Method</a:t>
             </a:r>
             <a:r>
-              <a:t> PATCH</a:t>
-            </a:r>
-          </a:p>
-        </p:txBody>
-      </p:sp>
-      <p:sp>
-        <p:nvSpPr>
-          <p:cNvPr id="254" name="/todo/{id}"/>
+              <a:t> GET</a:t>
+            </a:r>
+          </a:p>
+        </p:txBody>
+      </p:sp>
+      <p:sp>
+        <p:nvSpPr>
+          <p:cNvPr id="246" name="/todo…"/>
           <p:cNvSpPr txBox="1">
             <a:spLocks noGrp="1"/>
           </p:cNvSpPr>
@@ -7695,7 +7749,17 @@
           <a:lstStyle/>
           <a:p>
             <a:r>
-              <a:t>/todo/{id}</a:t>
+              <a:t>/todo</a:t>
+            </a:r>
+          </a:p>
+          <a:p>
+            <a:r>
+              <a:t>/todo/1</a:t>
+            </a:r>
+          </a:p>
+          <a:p>
+            <a:r>
+              <a:t>/todo/findByStatus/?status=todo</a:t>
             </a:r>
           </a:p>
         </p:txBody>
@@ -7703,7 +7767,7 @@
     </p:spTree>
     <p:extLst>
       <p:ext uri="{BB962C8B-B14F-4D97-AF65-F5344CB8AC3E}">
-        <p14:creationId xmlns:p14="http://schemas.microsoft.com/office/powerpoint/2010/main" val="2851867848"/>
+        <p14:creationId xmlns:p14="http://schemas.microsoft.com/office/powerpoint/2010/main" val="2048686732"/>
       </p:ext>
     </p:extLst>
   </p:cSld>
@@ -7733,7 +7797,7 @@
       </p:grpSpPr>
       <p:sp>
         <p:nvSpPr>
-          <p:cNvPr id="256" name="REST API"/>
+          <p:cNvPr id="248" name="REST API"/>
           <p:cNvSpPr txBox="1">
             <a:spLocks noGrp="1"/>
           </p:cNvSpPr>
@@ -7777,7 +7841,7 @@
       </p:sp>
       <p:sp>
         <p:nvSpPr>
-          <p:cNvPr id="257" name="Method PUT"/>
+          <p:cNvPr id="249" name="Method POST"/>
           <p:cNvSpPr txBox="1">
             <a:spLocks noGrp="1"/>
           </p:cNvSpPr>
@@ -7791,7 +7855,7 @@
           </a:prstGeom>
           <a:extLst>
             <a:ext uri="{C572A759-6A51-4108-AA02-DFA0A04FC94B}">
-              <ma14:wrappingTextBoxFlag xmlns:ma14="http://schemas.microsoft.com/office/mac/drawingml/2011/main" xmlns:a14="http://schemas.microsoft.com/office/drawing/2010/main" xmlns:m="http://schemas.openxmlformats.org/officeDocument/2006/math" xmlns="" val="1"/>
+              <ma14:wrappingTextBoxFlag xmlns="" xmlns:m="http://schemas.openxmlformats.org/officeDocument/2006/math" xmlns:a14="http://schemas.microsoft.com/office/drawing/2010/main" xmlns:ma14="http://schemas.microsoft.com/office/mac/drawingml/2011/main" val="1"/>
             </a:ext>
           </a:extLst>
         </p:spPr>
@@ -7830,14 +7894,14 @@
               <a:t>Method</a:t>
             </a:r>
             <a:r>
-              <a:t> PUT</a:t>
-            </a:r>
-          </a:p>
-        </p:txBody>
-      </p:sp>
-      <p:sp>
-        <p:nvSpPr>
-          <p:cNvPr id="258" name="/todo/{id}"/>
+              <a:t> POST</a:t>
+            </a:r>
+          </a:p>
+        </p:txBody>
+      </p:sp>
+      <p:sp>
+        <p:nvSpPr>
+          <p:cNvPr id="250" name="/todo…"/>
           <p:cNvSpPr txBox="1">
             <a:spLocks noGrp="1"/>
           </p:cNvSpPr>
@@ -7855,7 +7919,12 @@
           <a:lstStyle/>
           <a:p>
             <a:r>
-              <a:t>/todo/{id}</a:t>
+              <a:t>/todo</a:t>
+            </a:r>
+          </a:p>
+          <a:p>
+            <a:r>
+              <a:t>/todo/{id}/uploadImage</a:t>
             </a:r>
           </a:p>
         </p:txBody>
@@ -7863,7 +7932,7 @@
     </p:spTree>
     <p:extLst>
       <p:ext uri="{BB962C8B-B14F-4D97-AF65-F5344CB8AC3E}">
-        <p14:creationId xmlns:p14="http://schemas.microsoft.com/office/powerpoint/2010/main" val="2665379079"/>
+        <p14:creationId xmlns:p14="http://schemas.microsoft.com/office/powerpoint/2010/main" val="634257428"/>
       </p:ext>
     </p:extLst>
   </p:cSld>
@@ -7893,7 +7962,7 @@
       </p:grpSpPr>
       <p:sp>
         <p:nvSpPr>
-          <p:cNvPr id="260" name="REST API"/>
+          <p:cNvPr id="252" name="REST API"/>
           <p:cNvSpPr txBox="1">
             <a:spLocks noGrp="1"/>
           </p:cNvSpPr>
@@ -7937,7 +8006,7 @@
       </p:sp>
       <p:sp>
         <p:nvSpPr>
-          <p:cNvPr id="261" name="Method DELETE"/>
+          <p:cNvPr id="253" name="Method PATCH"/>
           <p:cNvSpPr txBox="1">
             <a:spLocks noGrp="1"/>
           </p:cNvSpPr>
@@ -7951,7 +8020,327 @@
           </a:prstGeom>
           <a:extLst>
             <a:ext uri="{C572A759-6A51-4108-AA02-DFA0A04FC94B}">
-              <ma14:wrappingTextBoxFlag xmlns:ma14="http://schemas.microsoft.com/office/mac/drawingml/2011/main" xmlns:a14="http://schemas.microsoft.com/office/drawing/2010/main" xmlns:m="http://schemas.openxmlformats.org/officeDocument/2006/math" xmlns="" val="1"/>
+              <ma14:wrappingTextBoxFlag xmlns="" xmlns:m="http://schemas.openxmlformats.org/officeDocument/2006/math" xmlns:a14="http://schemas.microsoft.com/office/drawing/2010/main" xmlns:ma14="http://schemas.microsoft.com/office/mac/drawingml/2011/main" val="1"/>
+            </a:ext>
+          </a:extLst>
+        </p:spPr>
+        <p:txBody>
+          <a:bodyPr/>
+          <a:lstStyle/>
+          <a:p>
+            <a:pPr defTabSz="1560575">
+              <a:lnSpc>
+                <a:spcPct val="80000"/>
+              </a:lnSpc>
+              <a:defRPr sz="5376" spc="-107">
+                <a:gradFill flip="none" rotWithShape="1">
+                  <a:gsLst>
+                    <a:gs pos="0">
+                      <a:srgbClr val="FF00D8"/>
+                    </a:gs>
+                    <a:gs pos="100000">
+                      <a:srgbClr val="FFFD00"/>
+                    </a:gs>
+                  </a:gsLst>
+                  <a:lin ang="2700000" scaled="0"/>
+                </a:gradFill>
+                <a:latin typeface="+mn-lt"/>
+                <a:ea typeface="+mn-ea"/>
+                <a:cs typeface="+mn-cs"/>
+                <a:sym typeface="Graphik Semibold"/>
+              </a:defRPr>
+            </a:pPr>
+            <a:r>
+              <a:rPr>
+                <a:solidFill>
+                  <a:srgbClr val="D5D5D5"/>
+                </a:solidFill>
+              </a:rPr>
+              <a:t>Method</a:t>
+            </a:r>
+            <a:r>
+              <a:t> PATCH</a:t>
+            </a:r>
+          </a:p>
+        </p:txBody>
+      </p:sp>
+      <p:sp>
+        <p:nvSpPr>
+          <p:cNvPr id="254" name="/todo/{id}"/>
+          <p:cNvSpPr txBox="1">
+            <a:spLocks noGrp="1"/>
+          </p:cNvSpPr>
+          <p:nvPr>
+            <p:ph type="body" idx="1"/>
+          </p:nvPr>
+        </p:nvSpPr>
+        <p:spPr>
+          <a:prstGeom prst="rect">
+            <a:avLst/>
+          </a:prstGeom>
+        </p:spPr>
+        <p:txBody>
+          <a:bodyPr/>
+          <a:lstStyle/>
+          <a:p>
+            <a:r>
+              <a:t>/todo/{id}</a:t>
+            </a:r>
+          </a:p>
+        </p:txBody>
+      </p:sp>
+    </p:spTree>
+    <p:extLst>
+      <p:ext uri="{BB962C8B-B14F-4D97-AF65-F5344CB8AC3E}">
+        <p14:creationId xmlns:p14="http://schemas.microsoft.com/office/powerpoint/2010/main" val="2851867848"/>
+      </p:ext>
+    </p:extLst>
+  </p:cSld>
+  <p:clrMapOvr>
+    <a:masterClrMapping/>
+  </p:clrMapOvr>
+  <p:transition spd="med"/>
+</p:sld>
+</file>
+
+<file path=ppt/slides/slide33.xml><?xml version="1.0" encoding="utf-8"?>
+<p:sld xmlns:a="http://schemas.openxmlformats.org/drawingml/2006/main" xmlns:r="http://schemas.openxmlformats.org/officeDocument/2006/relationships" xmlns:p="http://schemas.openxmlformats.org/presentationml/2006/main">
+  <p:cSld>
+    <p:spTree>
+      <p:nvGrpSpPr>
+        <p:cNvPr id="1" name=""/>
+        <p:cNvGrpSpPr/>
+        <p:nvPr/>
+      </p:nvGrpSpPr>
+      <p:grpSpPr>
+        <a:xfrm>
+          <a:off x="0" y="0"/>
+          <a:ext cx="0" cy="0"/>
+          <a:chOff x="0" y="0"/>
+          <a:chExt cx="0" cy="0"/>
+        </a:xfrm>
+      </p:grpSpPr>
+      <p:sp>
+        <p:nvSpPr>
+          <p:cNvPr id="256" name="REST API"/>
+          <p:cNvSpPr txBox="1">
+            <a:spLocks noGrp="1"/>
+          </p:cNvSpPr>
+          <p:nvPr>
+            <p:ph type="title"/>
+          </p:nvPr>
+        </p:nvSpPr>
+        <p:spPr>
+          <a:prstGeom prst="rect">
+            <a:avLst/>
+          </a:prstGeom>
+        </p:spPr>
+        <p:txBody>
+          <a:bodyPr/>
+          <a:lstStyle>
+            <a:lvl1pPr defTabSz="1804370">
+              <a:lnSpc>
+                <a:spcPct val="90000"/>
+              </a:lnSpc>
+              <a:defRPr sz="8584" spc="-257">
+                <a:gradFill flip="none" rotWithShape="1">
+                  <a:gsLst>
+                    <a:gs pos="0">
+                      <a:srgbClr val="00E8FF"/>
+                    </a:gs>
+                    <a:gs pos="100000">
+                      <a:srgbClr val="FF00F7"/>
+                    </a:gs>
+                  </a:gsLst>
+                  <a:lin ang="3967761" scaled="0"/>
+                </a:gradFill>
+              </a:defRPr>
+            </a:lvl1pPr>
+          </a:lstStyle>
+          <a:p>
+            <a:r>
+              <a:t>REST API</a:t>
+            </a:r>
+          </a:p>
+        </p:txBody>
+      </p:sp>
+      <p:sp>
+        <p:nvSpPr>
+          <p:cNvPr id="257" name="Method PUT"/>
+          <p:cNvSpPr txBox="1">
+            <a:spLocks noGrp="1"/>
+          </p:cNvSpPr>
+          <p:nvPr>
+            <p:ph type="body" idx="21"/>
+          </p:nvPr>
+        </p:nvSpPr>
+        <p:spPr>
+          <a:prstGeom prst="rect">
+            <a:avLst/>
+          </a:prstGeom>
+          <a:extLst>
+            <a:ext uri="{C572A759-6A51-4108-AA02-DFA0A04FC94B}">
+              <ma14:wrappingTextBoxFlag xmlns="" xmlns:m="http://schemas.openxmlformats.org/officeDocument/2006/math" xmlns:a14="http://schemas.microsoft.com/office/drawing/2010/main" xmlns:ma14="http://schemas.microsoft.com/office/mac/drawingml/2011/main" val="1"/>
+            </a:ext>
+          </a:extLst>
+        </p:spPr>
+        <p:txBody>
+          <a:bodyPr/>
+          <a:lstStyle/>
+          <a:p>
+            <a:pPr defTabSz="1560575">
+              <a:lnSpc>
+                <a:spcPct val="80000"/>
+              </a:lnSpc>
+              <a:defRPr sz="5376" spc="-107">
+                <a:gradFill flip="none" rotWithShape="1">
+                  <a:gsLst>
+                    <a:gs pos="0">
+                      <a:srgbClr val="FF00D8"/>
+                    </a:gs>
+                    <a:gs pos="100000">
+                      <a:srgbClr val="FFFD00"/>
+                    </a:gs>
+                  </a:gsLst>
+                  <a:lin ang="2700000" scaled="0"/>
+                </a:gradFill>
+                <a:latin typeface="+mn-lt"/>
+                <a:ea typeface="+mn-ea"/>
+                <a:cs typeface="+mn-cs"/>
+                <a:sym typeface="Graphik Semibold"/>
+              </a:defRPr>
+            </a:pPr>
+            <a:r>
+              <a:rPr>
+                <a:solidFill>
+                  <a:srgbClr val="D5D5D5"/>
+                </a:solidFill>
+              </a:rPr>
+              <a:t>Method</a:t>
+            </a:r>
+            <a:r>
+              <a:t> PUT</a:t>
+            </a:r>
+          </a:p>
+        </p:txBody>
+      </p:sp>
+      <p:sp>
+        <p:nvSpPr>
+          <p:cNvPr id="258" name="/todo/{id}"/>
+          <p:cNvSpPr txBox="1">
+            <a:spLocks noGrp="1"/>
+          </p:cNvSpPr>
+          <p:nvPr>
+            <p:ph type="body" idx="1"/>
+          </p:nvPr>
+        </p:nvSpPr>
+        <p:spPr>
+          <a:prstGeom prst="rect">
+            <a:avLst/>
+          </a:prstGeom>
+        </p:spPr>
+        <p:txBody>
+          <a:bodyPr/>
+          <a:lstStyle/>
+          <a:p>
+            <a:r>
+              <a:t>/todo/{id}</a:t>
+            </a:r>
+          </a:p>
+        </p:txBody>
+      </p:sp>
+    </p:spTree>
+    <p:extLst>
+      <p:ext uri="{BB962C8B-B14F-4D97-AF65-F5344CB8AC3E}">
+        <p14:creationId xmlns:p14="http://schemas.microsoft.com/office/powerpoint/2010/main" val="2665379079"/>
+      </p:ext>
+    </p:extLst>
+  </p:cSld>
+  <p:clrMapOvr>
+    <a:masterClrMapping/>
+  </p:clrMapOvr>
+  <p:transition spd="med"/>
+</p:sld>
+</file>
+
+<file path=ppt/slides/slide34.xml><?xml version="1.0" encoding="utf-8"?>
+<p:sld xmlns:a="http://schemas.openxmlformats.org/drawingml/2006/main" xmlns:r="http://schemas.openxmlformats.org/officeDocument/2006/relationships" xmlns:p="http://schemas.openxmlformats.org/presentationml/2006/main">
+  <p:cSld>
+    <p:spTree>
+      <p:nvGrpSpPr>
+        <p:cNvPr id="1" name=""/>
+        <p:cNvGrpSpPr/>
+        <p:nvPr/>
+      </p:nvGrpSpPr>
+      <p:grpSpPr>
+        <a:xfrm>
+          <a:off x="0" y="0"/>
+          <a:ext cx="0" cy="0"/>
+          <a:chOff x="0" y="0"/>
+          <a:chExt cx="0" cy="0"/>
+        </a:xfrm>
+      </p:grpSpPr>
+      <p:sp>
+        <p:nvSpPr>
+          <p:cNvPr id="260" name="REST API"/>
+          <p:cNvSpPr txBox="1">
+            <a:spLocks noGrp="1"/>
+          </p:cNvSpPr>
+          <p:nvPr>
+            <p:ph type="title"/>
+          </p:nvPr>
+        </p:nvSpPr>
+        <p:spPr>
+          <a:prstGeom prst="rect">
+            <a:avLst/>
+          </a:prstGeom>
+        </p:spPr>
+        <p:txBody>
+          <a:bodyPr/>
+          <a:lstStyle>
+            <a:lvl1pPr defTabSz="1804370">
+              <a:lnSpc>
+                <a:spcPct val="90000"/>
+              </a:lnSpc>
+              <a:defRPr sz="8584" spc="-257">
+                <a:gradFill flip="none" rotWithShape="1">
+                  <a:gsLst>
+                    <a:gs pos="0">
+                      <a:srgbClr val="00E8FF"/>
+                    </a:gs>
+                    <a:gs pos="100000">
+                      <a:srgbClr val="FF00F7"/>
+                    </a:gs>
+                  </a:gsLst>
+                  <a:lin ang="3967761" scaled="0"/>
+                </a:gradFill>
+              </a:defRPr>
+            </a:lvl1pPr>
+          </a:lstStyle>
+          <a:p>
+            <a:r>
+              <a:t>REST API</a:t>
+            </a:r>
+          </a:p>
+        </p:txBody>
+      </p:sp>
+      <p:sp>
+        <p:nvSpPr>
+          <p:cNvPr id="261" name="Method DELETE"/>
+          <p:cNvSpPr txBox="1">
+            <a:spLocks noGrp="1"/>
+          </p:cNvSpPr>
+          <p:nvPr>
+            <p:ph type="body" idx="21"/>
+          </p:nvPr>
+        </p:nvSpPr>
+        <p:spPr>
+          <a:prstGeom prst="rect">
+            <a:avLst/>
+          </a:prstGeom>
+          <a:extLst>
+            <a:ext uri="{C572A759-6A51-4108-AA02-DFA0A04FC94B}">
+              <ma14:wrappingTextBoxFlag xmlns="" xmlns:m="http://schemas.openxmlformats.org/officeDocument/2006/math" xmlns:a14="http://schemas.microsoft.com/office/drawing/2010/main" xmlns:ma14="http://schemas.microsoft.com/office/mac/drawingml/2011/main" val="1"/>
             </a:ext>
           </a:extLst>
         </p:spPr>
@@ -8053,7 +8442,7 @@
       </p:grpSpPr>
       <p:sp>
         <p:nvSpPr>
-          <p:cNvPr id="182" name="Node.js"/>
+          <p:cNvPr id="228" name="REST API"/>
           <p:cNvSpPr txBox="1">
             <a:spLocks noGrp="1"/>
           </p:cNvSpPr>
@@ -8069,28 +8458,25 @@
         <p:txBody>
           <a:bodyPr/>
           <a:lstStyle>
-            <a:lvl1pPr defTabSz="2438400">
-              <a:lnSpc>
-                <a:spcPct val="80000"/>
-              </a:lnSpc>
-              <a:defRPr spc="-232">
+            <a:lvl1pPr defTabSz="2438338">
+              <a:defRPr>
                 <a:gradFill flip="none" rotWithShape="1">
                   <a:gsLst>
                     <a:gs pos="0">
-                      <a:srgbClr val="FF00D8"/>
+                      <a:srgbClr val="00E8FF"/>
                     </a:gs>
                     <a:gs pos="100000">
-                      <a:srgbClr val="FFFD00"/>
+                      <a:srgbClr val="FF00F7"/>
                     </a:gs>
                   </a:gsLst>
-                  <a:lin ang="2700000" scaled="0"/>
+                  <a:lin ang="3967761" scaled="0"/>
                 </a:gradFill>
               </a:defRPr>
             </a:lvl1pPr>
           </a:lstStyle>
           <a:p>
             <a:r>
-              <a:t>Node.js</a:t>
+              <a:t>REST API</a:t>
             </a:r>
           </a:p>
         </p:txBody>
@@ -8121,150 +8507,123 @@
           <a:chExt cx="0" cy="0"/>
         </a:xfrm>
       </p:grpSpPr>
+      <p:sp>
+        <p:nvSpPr>
+          <p:cNvPr id="235" name="REST API"/>
+          <p:cNvSpPr txBox="1">
+            <a:spLocks noGrp="1"/>
+          </p:cNvSpPr>
+          <p:nvPr>
+            <p:ph type="title"/>
+          </p:nvPr>
+        </p:nvSpPr>
+        <p:spPr>
+          <a:prstGeom prst="rect">
+            <a:avLst/>
+          </a:prstGeom>
+        </p:spPr>
+        <p:txBody>
+          <a:bodyPr/>
+          <a:lstStyle>
+            <a:lvl1pPr defTabSz="1804370">
+              <a:lnSpc>
+                <a:spcPct val="90000"/>
+              </a:lnSpc>
+              <a:defRPr sz="8584" spc="-257">
+                <a:gradFill flip="none" rotWithShape="1">
+                  <a:gsLst>
+                    <a:gs pos="0">
+                      <a:srgbClr val="00E8FF"/>
+                    </a:gs>
+                    <a:gs pos="100000">
+                      <a:srgbClr val="FF00F7"/>
+                    </a:gs>
+                  </a:gsLst>
+                  <a:lin ang="3967761" scaled="0"/>
+                </a:gradFill>
+              </a:defRPr>
+            </a:lvl1pPr>
+          </a:lstStyle>
+          <a:p>
+            <a:r>
+              <a:t>REST API</a:t>
+            </a:r>
+          </a:p>
+        </p:txBody>
+      </p:sp>
+      <p:sp>
+        <p:nvSpPr>
+          <p:cNvPr id="236" name="Slide Subtitle"/>
+          <p:cNvSpPr txBox="1">
+            <a:spLocks noGrp="1"/>
+          </p:cNvSpPr>
+          <p:nvPr>
+            <p:ph type="body" idx="21"/>
+          </p:nvPr>
+        </p:nvSpPr>
+        <p:spPr>
+          <a:prstGeom prst="rect">
+            <a:avLst/>
+          </a:prstGeom>
+        </p:spPr>
+        <p:txBody>
+          <a:bodyPr/>
+          <a:lstStyle/>
+          <a:p>
+            <a:endParaRPr/>
+          </a:p>
+        </p:txBody>
+      </p:sp>
+      <p:sp>
+        <p:nvSpPr>
+          <p:cNvPr id="237" name="Slide bullet text"/>
+          <p:cNvSpPr txBox="1">
+            <a:spLocks noGrp="1"/>
+          </p:cNvSpPr>
+          <p:nvPr>
+            <p:ph type="body" idx="1"/>
+          </p:nvPr>
+        </p:nvSpPr>
+        <p:spPr>
+          <a:prstGeom prst="rect">
+            <a:avLst/>
+          </a:prstGeom>
+        </p:spPr>
+        <p:txBody>
+          <a:bodyPr/>
+          <a:lstStyle/>
+          <a:p>
+            <a:endParaRPr dirty="0"/>
+          </a:p>
+        </p:txBody>
+      </p:sp>
       <p:pic>
         <p:nvPicPr>
-          <p:cNvPr id="184" name="Northern Lights display over a snowy mountain landscape" descr="Northern Lights display over a snowy mountain landscape"/>
+          <p:cNvPr id="238" name="pasted-movie.png" descr="pasted-movie.png"/>
           <p:cNvPicPr>
-            <a:picLocks noGrp="1" noChangeAspect="1"/>
+            <a:picLocks noChangeAspect="1"/>
           </p:cNvPicPr>
-          <p:nvPr>
-            <p:ph type="pic" idx="21"/>
-          </p:nvPr>
+          <p:nvPr/>
         </p:nvPicPr>
         <p:blipFill>
           <a:blip r:embed="rId2"/>
-          <a:srcRect t="12465" b="12465"/>
           <a:stretch>
             <a:fillRect/>
           </a:stretch>
         </p:blipFill>
         <p:spPr>
           <a:xfrm>
-            <a:off x="12204700" y="0"/>
-            <a:ext cx="12192000" cy="13716000"/>
+            <a:off x="1359683" y="4303032"/>
+            <a:ext cx="21664634" cy="5536237"/>
           </a:xfrm>
           <a:prstGeom prst="rect">
             <a:avLst/>
           </a:prstGeom>
+          <a:ln w="12700">
+            <a:miter lim="400000"/>
+          </a:ln>
         </p:spPr>
       </p:pic>
-      <p:sp>
-        <p:nvSpPr>
-          <p:cNvPr id="185" name="Node.js"/>
-          <p:cNvSpPr txBox="1">
-            <a:spLocks noGrp="1"/>
-          </p:cNvSpPr>
-          <p:nvPr>
-            <p:ph type="title"/>
-          </p:nvPr>
-        </p:nvSpPr>
-        <p:spPr>
-          <a:prstGeom prst="rect">
-            <a:avLst/>
-          </a:prstGeom>
-        </p:spPr>
-        <p:txBody>
-          <a:bodyPr/>
-          <a:lstStyle>
-            <a:lvl1pPr defTabSz="2438400">
-              <a:defRPr spc="-168">
-                <a:gradFill flip="none" rotWithShape="1">
-                  <a:gsLst>
-                    <a:gs pos="0">
-                      <a:srgbClr val="FF00D8"/>
-                    </a:gs>
-                    <a:gs pos="100000">
-                      <a:srgbClr val="FFFD00"/>
-                    </a:gs>
-                  </a:gsLst>
-                  <a:lin ang="2700000" scaled="0"/>
-                </a:gradFill>
-              </a:defRPr>
-            </a:lvl1pPr>
-          </a:lstStyle>
-          <a:p>
-            <a:r>
-              <a:t>Node.js</a:t>
-            </a:r>
-          </a:p>
-        </p:txBody>
-      </p:sp>
-      <p:sp>
-        <p:nvSpPr>
-          <p:cNvPr id="186" name="Node.js is a JavaScript runtime built on Chrome's V8 JavaScript engine."/>
-          <p:cNvSpPr txBox="1">
-            <a:spLocks noGrp="1"/>
-          </p:cNvSpPr>
-          <p:nvPr>
-            <p:ph type="body" sz="half" idx="1"/>
-          </p:nvPr>
-        </p:nvSpPr>
-        <p:spPr>
-          <a:prstGeom prst="rect">
-            <a:avLst/>
-          </a:prstGeom>
-        </p:spPr>
-        <p:txBody>
-          <a:bodyPr/>
-          <a:lstStyle/>
-          <a:p>
-            <a:pPr marL="0" indent="0">
-              <a:buClrTx/>
-              <a:buSzTx/>
-              <a:buNone/>
-            </a:pPr>
-            <a:r>
-              <a:rPr b="1">
-                <a:gradFill flip="none" rotWithShape="1">
-                  <a:gsLst>
-                    <a:gs pos="0">
-                      <a:srgbClr val="FF00D8"/>
-                    </a:gs>
-                    <a:gs pos="100000">
-                      <a:srgbClr val="FFFD00"/>
-                    </a:gs>
-                  </a:gsLst>
-                  <a:lin ang="2700000" scaled="0"/>
-                </a:gradFill>
-              </a:rPr>
-              <a:t>Node.js</a:t>
-            </a:r>
-            <a:r>
-              <a:t> is a </a:t>
-            </a:r>
-            <a:r>
-              <a:rPr b="1" u="sng"/>
-              <a:t>JavaScript</a:t>
-            </a:r>
-            <a:r>
-              <a:t> runtime built on Chrome's V8 JavaScript engine.</a:t>
-            </a:r>
-          </a:p>
-        </p:txBody>
-      </p:sp>
-      <p:sp>
-        <p:nvSpPr>
-          <p:cNvPr id="187" name="Slide Subtitle"/>
-          <p:cNvSpPr txBox="1">
-            <a:spLocks noGrp="1"/>
-          </p:cNvSpPr>
-          <p:nvPr>
-            <p:ph type="body" idx="22"/>
-          </p:nvPr>
-        </p:nvSpPr>
-        <p:spPr>
-          <a:prstGeom prst="rect">
-            <a:avLst/>
-          </a:prstGeom>
-        </p:spPr>
-        <p:txBody>
-          <a:bodyPr/>
-          <a:lstStyle/>
-          <a:p>
-            <a:endParaRPr/>
-          </a:p>
-        </p:txBody>
-      </p:sp>
     </p:spTree>
   </p:cSld>
   <p:clrMapOvr>
@@ -8291,36 +8650,9 @@
           <a:chExt cx="0" cy="0"/>
         </a:xfrm>
       </p:grpSpPr>
-      <p:pic>
-        <p:nvPicPr>
-          <p:cNvPr id="189" name="Colorful clouds against a starry night sky" descr="Colorful clouds against a starry night sky"/>
-          <p:cNvPicPr>
-            <a:picLocks noGrp="1" noChangeAspect="1"/>
-          </p:cNvPicPr>
-          <p:nvPr>
-            <p:ph type="pic" idx="21"/>
-          </p:nvPr>
-        </p:nvPicPr>
-        <p:blipFill>
-          <a:blip r:embed="rId2"/>
-          <a:srcRect t="12465" b="12465"/>
-          <a:stretch>
-            <a:fillRect/>
-          </a:stretch>
-        </p:blipFill>
-        <p:spPr>
-          <a:xfrm>
-            <a:off x="12204700" y="0"/>
-            <a:ext cx="12192000" cy="13716000"/>
-          </a:xfrm>
-          <a:prstGeom prst="rect">
-            <a:avLst/>
-          </a:prstGeom>
-        </p:spPr>
-      </p:pic>
-      <p:sp>
-        <p:nvSpPr>
-          <p:cNvPr id="190" name="Setup Node.js"/>
+      <p:sp>
+        <p:nvSpPr>
+          <p:cNvPr id="240" name="REST API"/>
           <p:cNvSpPr txBox="1">
             <a:spLocks noGrp="1"/>
           </p:cNvSpPr>
@@ -8336,8 +8668,60 @@
         <p:txBody>
           <a:bodyPr/>
           <a:lstStyle>
-            <a:lvl1pPr defTabSz="2438400">
-              <a:defRPr spc="-168">
+            <a:lvl1pPr defTabSz="1804370">
+              <a:lnSpc>
+                <a:spcPct val="90000"/>
+              </a:lnSpc>
+              <a:defRPr sz="8584" spc="-257">
+                <a:gradFill flip="none" rotWithShape="1">
+                  <a:gsLst>
+                    <a:gs pos="0">
+                      <a:srgbClr val="00E8FF"/>
+                    </a:gs>
+                    <a:gs pos="100000">
+                      <a:srgbClr val="FF00F7"/>
+                    </a:gs>
+                  </a:gsLst>
+                  <a:lin ang="3967761" scaled="0"/>
+                </a:gradFill>
+              </a:defRPr>
+            </a:lvl1pPr>
+          </a:lstStyle>
+          <a:p>
+            <a:r>
+              <a:t>REST API</a:t>
+            </a:r>
+          </a:p>
+        </p:txBody>
+      </p:sp>
+      <p:sp>
+        <p:nvSpPr>
+          <p:cNvPr id="241" name="Method"/>
+          <p:cNvSpPr txBox="1">
+            <a:spLocks noGrp="1"/>
+          </p:cNvSpPr>
+          <p:nvPr>
+            <p:ph type="body" idx="21"/>
+          </p:nvPr>
+        </p:nvSpPr>
+        <p:spPr>
+          <a:prstGeom prst="rect">
+            <a:avLst/>
+          </a:prstGeom>
+          <a:extLst>
+            <a:ext uri="{C572A759-6A51-4108-AA02-DFA0A04FC94B}">
+              <ma14:wrappingTextBoxFlag xmlns="" xmlns:m="http://schemas.openxmlformats.org/officeDocument/2006/math" xmlns:a14="http://schemas.microsoft.com/office/drawing/2010/main" xmlns:ma14="http://schemas.microsoft.com/office/mac/drawingml/2011/main" val="1"/>
+            </a:ext>
+          </a:extLst>
+        </p:spPr>
+        <p:txBody>
+          <a:bodyPr/>
+          <a:lstStyle>
+            <a:lvl1pPr defTabSz="1560575">
+              <a:lnSpc>
+                <a:spcPct val="80000"/>
+              </a:lnSpc>
+              <a:defRPr sz="5376" spc="-107">
                 <a:gradFill flip="none" rotWithShape="1">
                   <a:gsLst>
                     <a:gs pos="0">
@@ -8349,24 +8733,28 @@
                   </a:gsLst>
                   <a:lin ang="2700000" scaled="0"/>
                 </a:gradFill>
+                <a:latin typeface="+mn-lt"/>
+                <a:ea typeface="+mn-ea"/>
+                <a:cs typeface="+mn-cs"/>
+                <a:sym typeface="Graphik Semibold"/>
               </a:defRPr>
             </a:lvl1pPr>
           </a:lstStyle>
           <a:p>
             <a:r>
-              <a:t>Setup Node.js</a:t>
-            </a:r>
-          </a:p>
-        </p:txBody>
-      </p:sp>
-      <p:sp>
-        <p:nvSpPr>
-          <p:cNvPr id="191" name="Setup Node.js with `npm init`…"/>
-          <p:cNvSpPr txBox="1">
-            <a:spLocks noGrp="1"/>
-          </p:cNvSpPr>
-          <p:nvPr>
-            <p:ph type="body" sz="half" idx="1"/>
+              <a:t>Method</a:t>
+            </a:r>
+          </a:p>
+        </p:txBody>
+      </p:sp>
+      <p:sp>
+        <p:nvSpPr>
+          <p:cNvPr id="242" name="GET…"/>
+          <p:cNvSpPr txBox="1">
+            <a:spLocks noGrp="1"/>
+          </p:cNvSpPr>
+          <p:nvPr>
+            <p:ph type="body" idx="1"/>
           </p:nvPr>
         </p:nvSpPr>
         <p:spPr>
@@ -8379,60 +8767,28 @@
           <a:lstStyle/>
           <a:p>
             <a:r>
-              <a:t>Setup </a:t>
-            </a:r>
-            <a:r>
-              <a:rPr b="1">
-                <a:gradFill flip="none" rotWithShape="1">
-                  <a:gsLst>
-                    <a:gs pos="0">
-                      <a:srgbClr val="00E8FF"/>
-                    </a:gs>
-                    <a:gs pos="100000">
-                      <a:srgbClr val="FF00F7"/>
-                    </a:gs>
-                  </a:gsLst>
-                  <a:lin ang="3967761" scaled="0"/>
-                </a:gradFill>
-              </a:rPr>
-              <a:t>Node.js</a:t>
-            </a:r>
-            <a:r>
-              <a:t> with `npm init`</a:t>
-            </a:r>
-          </a:p>
-          <a:p>
-            <a:r>
-              <a:t>Setup Babel `npm install --save-dev @babel/core @babel/cli @babel/preset-env @babel/node`</a:t>
-            </a:r>
-          </a:p>
-          <a:p>
-            <a:r>
-              <a:t>Setup build and run command Add build command to generate ES5 Add start command to run simple app</a:t>
-            </a:r>
-          </a:p>
-        </p:txBody>
-      </p:sp>
-      <p:sp>
-        <p:nvSpPr>
-          <p:cNvPr id="192" name="Slide Subtitle"/>
-          <p:cNvSpPr txBox="1">
-            <a:spLocks noGrp="1"/>
-          </p:cNvSpPr>
-          <p:nvPr>
-            <p:ph type="body" idx="22"/>
-          </p:nvPr>
-        </p:nvSpPr>
-        <p:spPr>
-          <a:prstGeom prst="rect">
-            <a:avLst/>
-          </a:prstGeom>
-        </p:spPr>
-        <p:txBody>
-          <a:bodyPr/>
-          <a:lstStyle/>
-          <a:p>
-            <a:endParaRPr/>
+              <a:t>GET</a:t>
+            </a:r>
+          </a:p>
+          <a:p>
+            <a:r>
+              <a:t>POST</a:t>
+            </a:r>
+          </a:p>
+          <a:p>
+            <a:r>
+              <a:t>PATCH</a:t>
+            </a:r>
+          </a:p>
+          <a:p>
+            <a:r>
+              <a:t>PUT</a:t>
+            </a:r>
+          </a:p>
+          <a:p>
+            <a:r>
+              <a:t>DELETE</a:t>
+            </a:r>
           </a:p>
         </p:txBody>
       </p:sp>
@@ -8464,35 +8820,12 @@
       </p:grpSpPr>
       <p:sp>
         <p:nvSpPr>
-          <p:cNvPr id="194" name="Attribution"/>
-          <p:cNvSpPr txBox="1">
-            <a:spLocks noGrp="1"/>
-          </p:cNvSpPr>
-          <p:nvPr>
-            <p:ph type="body" idx="21"/>
-          </p:nvPr>
-        </p:nvSpPr>
-        <p:spPr>
-          <a:prstGeom prst="rect">
-            <a:avLst/>
-          </a:prstGeom>
-        </p:spPr>
-        <p:txBody>
-          <a:bodyPr/>
-          <a:lstStyle/>
-          <a:p>
-            <a:endParaRPr/>
-          </a:p>
-        </p:txBody>
-      </p:sp>
-      <p:sp>
-        <p:nvSpPr>
-          <p:cNvPr id="195" name="Callback / Promise / Async Await"/>
-          <p:cNvSpPr txBox="1">
-            <a:spLocks noGrp="1"/>
-          </p:cNvSpPr>
-          <p:nvPr>
-            <p:ph type="body" sz="half" idx="1"/>
+          <p:cNvPr id="244" name="REST API"/>
+          <p:cNvSpPr txBox="1">
+            <a:spLocks noGrp="1"/>
+          </p:cNvSpPr>
+          <p:nvPr>
+            <p:ph type="title"/>
           </p:nvPr>
         </p:nvSpPr>
         <p:spPr>
@@ -8503,11 +8836,11 @@
         <p:txBody>
           <a:bodyPr/>
           <a:lstStyle>
-            <a:lvl1pPr defTabSz="2438338">
+            <a:lvl1pPr defTabSz="1804370">
               <a:lnSpc>
                 <a:spcPct val="90000"/>
               </a:lnSpc>
-              <a:defRPr sz="11500" spc="-344">
+              <a:defRPr sz="8584" spc="-257">
                 <a:gradFill flip="none" rotWithShape="1">
                   <a:gsLst>
                     <a:gs pos="0">
@@ -8524,7 +8857,102 @@
           </a:lstStyle>
           <a:p>
             <a:r>
-              <a:t>Callback / Promise / Async Await</a:t>
+              <a:t>REST API</a:t>
+            </a:r>
+          </a:p>
+        </p:txBody>
+      </p:sp>
+      <p:sp>
+        <p:nvSpPr>
+          <p:cNvPr id="245" name="Method GET"/>
+          <p:cNvSpPr txBox="1">
+            <a:spLocks noGrp="1"/>
+          </p:cNvSpPr>
+          <p:nvPr>
+            <p:ph type="body" idx="21"/>
+          </p:nvPr>
+        </p:nvSpPr>
+        <p:spPr>
+          <a:prstGeom prst="rect">
+            <a:avLst/>
+          </a:prstGeom>
+          <a:extLst>
+            <a:ext uri="{C572A759-6A51-4108-AA02-DFA0A04FC94B}">
+              <ma14:wrappingTextBoxFlag xmlns="" xmlns:m="http://schemas.openxmlformats.org/officeDocument/2006/math" xmlns:a14="http://schemas.microsoft.com/office/drawing/2010/main" xmlns:ma14="http://schemas.microsoft.com/office/mac/drawingml/2011/main" val="1"/>
+            </a:ext>
+          </a:extLst>
+        </p:spPr>
+        <p:txBody>
+          <a:bodyPr/>
+          <a:lstStyle/>
+          <a:p>
+            <a:pPr defTabSz="1560575">
+              <a:lnSpc>
+                <a:spcPct val="80000"/>
+              </a:lnSpc>
+              <a:defRPr sz="5376" spc="-107">
+                <a:gradFill flip="none" rotWithShape="1">
+                  <a:gsLst>
+                    <a:gs pos="0">
+                      <a:srgbClr val="FF00D8"/>
+                    </a:gs>
+                    <a:gs pos="100000">
+                      <a:srgbClr val="FFFD00"/>
+                    </a:gs>
+                  </a:gsLst>
+                  <a:lin ang="2700000" scaled="0"/>
+                </a:gradFill>
+                <a:latin typeface="+mn-lt"/>
+                <a:ea typeface="+mn-ea"/>
+                <a:cs typeface="+mn-cs"/>
+                <a:sym typeface="Graphik Semibold"/>
+              </a:defRPr>
+            </a:pPr>
+            <a:r>
+              <a:rPr>
+                <a:solidFill>
+                  <a:srgbClr val="D5D5D5"/>
+                </a:solidFill>
+              </a:rPr>
+              <a:t>Method</a:t>
+            </a:r>
+            <a:r>
+              <a:t> GET</a:t>
+            </a:r>
+          </a:p>
+        </p:txBody>
+      </p:sp>
+      <p:sp>
+        <p:nvSpPr>
+          <p:cNvPr id="246" name="/todo…"/>
+          <p:cNvSpPr txBox="1">
+            <a:spLocks noGrp="1"/>
+          </p:cNvSpPr>
+          <p:nvPr>
+            <p:ph type="body" idx="1"/>
+          </p:nvPr>
+        </p:nvSpPr>
+        <p:spPr>
+          <a:prstGeom prst="rect">
+            <a:avLst/>
+          </a:prstGeom>
+        </p:spPr>
+        <p:txBody>
+          <a:bodyPr/>
+          <a:lstStyle/>
+          <a:p>
+            <a:r>
+              <a:t>/todo</a:t>
+            </a:r>
+          </a:p>
+          <a:p>
+            <a:r>
+              <a:t>/todo/1</a:t>
+            </a:r>
+          </a:p>
+          <a:p>
+            <a:r>
+              <a:t>/todo/findByStatus/?status=todo</a:t>
             </a:r>
           </a:p>
         </p:txBody>
@@ -8557,7 +8985,51 @@
       </p:grpSpPr>
       <p:sp>
         <p:nvSpPr>
-          <p:cNvPr id="197" name="Attribution"/>
+          <p:cNvPr id="248" name="REST API"/>
+          <p:cNvSpPr txBox="1">
+            <a:spLocks noGrp="1"/>
+          </p:cNvSpPr>
+          <p:nvPr>
+            <p:ph type="title"/>
+          </p:nvPr>
+        </p:nvSpPr>
+        <p:spPr>
+          <a:prstGeom prst="rect">
+            <a:avLst/>
+          </a:prstGeom>
+        </p:spPr>
+        <p:txBody>
+          <a:bodyPr/>
+          <a:lstStyle>
+            <a:lvl1pPr defTabSz="1804370">
+              <a:lnSpc>
+                <a:spcPct val="90000"/>
+              </a:lnSpc>
+              <a:defRPr sz="8584" spc="-257">
+                <a:gradFill flip="none" rotWithShape="1">
+                  <a:gsLst>
+                    <a:gs pos="0">
+                      <a:srgbClr val="00E8FF"/>
+                    </a:gs>
+                    <a:gs pos="100000">
+                      <a:srgbClr val="FF00F7"/>
+                    </a:gs>
+                  </a:gsLst>
+                  <a:lin ang="3967761" scaled="0"/>
+                </a:gradFill>
+              </a:defRPr>
+            </a:lvl1pPr>
+          </a:lstStyle>
+          <a:p>
+            <a:r>
+              <a:t>REST API</a:t>
+            </a:r>
+          </a:p>
+        </p:txBody>
+      </p:sp>
+      <p:sp>
+        <p:nvSpPr>
+          <p:cNvPr id="249" name="Method POST"/>
           <p:cNvSpPr txBox="1">
             <a:spLocks noGrp="1"/>
           </p:cNvSpPr>
@@ -8569,23 +9041,60 @@
           <a:prstGeom prst="rect">
             <a:avLst/>
           </a:prstGeom>
+          <a:extLst>
+            <a:ext uri="{C572A759-6A51-4108-AA02-DFA0A04FC94B}">
+              <ma14:wrappingTextBoxFlag xmlns="" xmlns:m="http://schemas.openxmlformats.org/officeDocument/2006/math" xmlns:a14="http://schemas.microsoft.com/office/drawing/2010/main" xmlns:ma14="http://schemas.microsoft.com/office/mac/drawingml/2011/main" val="1"/>
+            </a:ext>
+          </a:extLst>
         </p:spPr>
         <p:txBody>
           <a:bodyPr/>
           <a:lstStyle/>
           <a:p>
-            <a:endParaRPr/>
-          </a:p>
-        </p:txBody>
-      </p:sp>
-      <p:sp>
-        <p:nvSpPr>
-          <p:cNvPr id="198" name="&quot;I will call back later!&quot;"/>
-          <p:cNvSpPr txBox="1">
-            <a:spLocks noGrp="1"/>
-          </p:cNvSpPr>
-          <p:nvPr>
-            <p:ph type="body" sz="half" idx="1"/>
+            <a:pPr defTabSz="1560575">
+              <a:lnSpc>
+                <a:spcPct val="80000"/>
+              </a:lnSpc>
+              <a:defRPr sz="5376" spc="-107">
+                <a:gradFill flip="none" rotWithShape="1">
+                  <a:gsLst>
+                    <a:gs pos="0">
+                      <a:srgbClr val="FF00D8"/>
+                    </a:gs>
+                    <a:gs pos="100000">
+                      <a:srgbClr val="FFFD00"/>
+                    </a:gs>
+                  </a:gsLst>
+                  <a:lin ang="2700000" scaled="0"/>
+                </a:gradFill>
+                <a:latin typeface="+mn-lt"/>
+                <a:ea typeface="+mn-ea"/>
+                <a:cs typeface="+mn-cs"/>
+                <a:sym typeface="Graphik Semibold"/>
+              </a:defRPr>
+            </a:pPr>
+            <a:r>
+              <a:rPr>
+                <a:solidFill>
+                  <a:srgbClr val="D5D5D5"/>
+                </a:solidFill>
+              </a:rPr>
+              <a:t>Method</a:t>
+            </a:r>
+            <a:r>
+              <a:t> POST</a:t>
+            </a:r>
+          </a:p>
+        </p:txBody>
+      </p:sp>
+      <p:sp>
+        <p:nvSpPr>
+          <p:cNvPr id="250" name="/todo…"/>
+          <p:cNvSpPr txBox="1">
+            <a:spLocks noGrp="1"/>
+          </p:cNvSpPr>
+          <p:nvPr>
+            <p:ph type="body" idx="1"/>
           </p:nvPr>
         </p:nvSpPr>
         <p:spPr>
@@ -8598,14 +9107,12 @@
           <a:lstStyle/>
           <a:p>
             <a:r>
-              <a:t>"I will </a:t>
-            </a:r>
-            <a:r>
-              <a:rPr u="sng"/>
-              <a:t>call back</a:t>
-            </a:r>
-            <a:r>
-              <a:t> later!"</a:t>
+              <a:t>/todo</a:t>
+            </a:r>
+          </a:p>
+          <a:p>
+            <a:r>
+              <a:t>/todo/{id}/uploadImage</a:t>
             </a:r>
           </a:p>
         </p:txBody>
@@ -8638,7 +9145,7 @@
       </p:grpSpPr>
       <p:sp>
         <p:nvSpPr>
-          <p:cNvPr id="200" name="Callback"/>
+          <p:cNvPr id="252" name="REST API"/>
           <p:cNvSpPr txBox="1">
             <a:spLocks noGrp="1"/>
           </p:cNvSpPr>
@@ -8675,14 +9182,14 @@
           </a:lstStyle>
           <a:p>
             <a:r>
-              <a:t>Callback</a:t>
-            </a:r>
-          </a:p>
-        </p:txBody>
-      </p:sp>
-      <p:sp>
-        <p:nvSpPr>
-          <p:cNvPr id="201" name="Slide Subtitle"/>
+              <a:t>REST API</a:t>
+            </a:r>
+          </a:p>
+        </p:txBody>
+      </p:sp>
+      <p:sp>
+        <p:nvSpPr>
+          <p:cNvPr id="253" name="Method PATCH"/>
           <p:cNvSpPr txBox="1">
             <a:spLocks noGrp="1"/>
           </p:cNvSpPr>
@@ -8694,18 +9201,55 @@
           <a:prstGeom prst="rect">
             <a:avLst/>
           </a:prstGeom>
+          <a:extLst>
+            <a:ext uri="{C572A759-6A51-4108-AA02-DFA0A04FC94B}">
+              <ma14:wrappingTextBoxFlag xmlns="" xmlns:m="http://schemas.openxmlformats.org/officeDocument/2006/math" xmlns:a14="http://schemas.microsoft.com/office/drawing/2010/main" xmlns:ma14="http://schemas.microsoft.com/office/mac/drawingml/2011/main" val="1"/>
+            </a:ext>
+          </a:extLst>
         </p:spPr>
         <p:txBody>
           <a:bodyPr/>
           <a:lstStyle/>
           <a:p>
-            <a:endParaRPr/>
-          </a:p>
-        </p:txBody>
-      </p:sp>
-      <p:sp>
-        <p:nvSpPr>
-          <p:cNvPr id="202" name="Accessible by another function.…"/>
+            <a:pPr defTabSz="1560575">
+              <a:lnSpc>
+                <a:spcPct val="80000"/>
+              </a:lnSpc>
+              <a:defRPr sz="5376" spc="-107">
+                <a:gradFill flip="none" rotWithShape="1">
+                  <a:gsLst>
+                    <a:gs pos="0">
+                      <a:srgbClr val="FF00D8"/>
+                    </a:gs>
+                    <a:gs pos="100000">
+                      <a:srgbClr val="FFFD00"/>
+                    </a:gs>
+                  </a:gsLst>
+                  <a:lin ang="2700000" scaled="0"/>
+                </a:gradFill>
+                <a:latin typeface="+mn-lt"/>
+                <a:ea typeface="+mn-ea"/>
+                <a:cs typeface="+mn-cs"/>
+                <a:sym typeface="Graphik Semibold"/>
+              </a:defRPr>
+            </a:pPr>
+            <a:r>
+              <a:rPr>
+                <a:solidFill>
+                  <a:srgbClr val="D5D5D5"/>
+                </a:solidFill>
+              </a:rPr>
+              <a:t>Method</a:t>
+            </a:r>
+            <a:r>
+              <a:t> PATCH</a:t>
+            </a:r>
+          </a:p>
+        </p:txBody>
+      </p:sp>
+      <p:sp>
+        <p:nvSpPr>
+          <p:cNvPr id="254" name="/todo/{id}"/>
           <p:cNvSpPr txBox="1">
             <a:spLocks noGrp="1"/>
           </p:cNvSpPr>
@@ -8723,65 +9267,11 @@
           <a:lstStyle/>
           <a:p>
             <a:r>
-              <a:rPr dirty="0"/>
-              <a:t>Accessible by another function.</a:t>
-            </a:r>
-          </a:p>
-          <a:p>
-            <a:r>
-              <a:rPr dirty="0"/>
-              <a:t>It’s invoked after the first function if that first function complete.</a:t>
-            </a:r>
-          </a:p>
-          <a:p>
-            <a:r>
-              <a:rPr dirty="0"/>
-              <a:t>Gives you the ability to be able to continue working and not just sit still and wait until the blocking operations come back.</a:t>
-            </a:r>
-          </a:p>
-          <a:p>
-            <a:r>
-              <a:rPr dirty="0"/>
-              <a:t>It’s has new issue called `</a:t>
-            </a:r>
-            <a:r>
-              <a:rPr b="1" dirty="0"/>
-              <a:t>Callback Hell</a:t>
-            </a:r>
-            <a:r>
-              <a:rPr dirty="0"/>
-              <a:t>`.</a:t>
-            </a:r>
-          </a:p>
-        </p:txBody>
-      </p:sp>
-      <p:pic>
-        <p:nvPicPr>
-          <p:cNvPr id="203" name="pasted-movie.png" descr="pasted-movie.png"/>
-          <p:cNvPicPr>
-            <a:picLocks noChangeAspect="1"/>
-          </p:cNvPicPr>
-          <p:nvPr/>
-        </p:nvPicPr>
-        <p:blipFill>
-          <a:blip r:embed="rId2"/>
-          <a:stretch>
-            <a:fillRect/>
-          </a:stretch>
-        </p:blipFill>
-        <p:spPr>
-          <a:xfrm>
-            <a:off x="13686196" y="8668590"/>
-            <a:ext cx="10479199" cy="4010709"/>
-          </a:xfrm>
-          <a:prstGeom prst="rect">
-            <a:avLst/>
-          </a:prstGeom>
-          <a:ln w="12700">
-            <a:miter lim="400000"/>
-          </a:ln>
-        </p:spPr>
-      </p:pic>
+              <a:t>/todo/{id}</a:t>
+            </a:r>
+          </a:p>
+        </p:txBody>
+      </p:sp>
     </p:spTree>
   </p:cSld>
   <p:clrMapOvr>
